--- a/Group_project2_deck.pptx
+++ b/Group_project2_deck.pptx
@@ -2383,6 +2383,13 @@
         </dgm:presLayoutVars>
       </dgm:prSet>
       <dgm:spPr/>
+      <dgm:t>
+        <a:bodyPr/>
+        <a:lstStyle/>
+        <a:p>
+          <a:endParaRPr lang="en-US"/>
+        </a:p>
+      </dgm:t>
     </dgm:pt>
     <dgm:pt modelId="{40F8DB0F-8A4F-48F6-B8FF-02EA328EA6E7}" type="pres">
       <dgm:prSet presAssocID="{50566C3F-72D8-4B9D-B172-562EE4AEA551}" presName="arrow" presStyleLbl="bgShp" presStyleIdx="0" presStyleCnt="1"/>
@@ -2420,6 +2427,13 @@
         </dgm:presLayoutVars>
       </dgm:prSet>
       <dgm:spPr/>
+      <dgm:t>
+        <a:bodyPr/>
+        <a:lstStyle/>
+        <a:p>
+          <a:endParaRPr lang="en-US"/>
+        </a:p>
+      </dgm:t>
     </dgm:pt>
     <dgm:pt modelId="{3EEA07EC-B9B3-412B-ADA6-144DBDFA38A6}" type="pres">
       <dgm:prSet presAssocID="{805B52CF-8124-4903-96AC-CDD12D94ECAE}" presName="sibTrans" presStyleCnt="0"/>
@@ -2432,6 +2446,13 @@
         </dgm:presLayoutVars>
       </dgm:prSet>
       <dgm:spPr/>
+      <dgm:t>
+        <a:bodyPr/>
+        <a:lstStyle/>
+        <a:p>
+          <a:endParaRPr lang="en-US"/>
+        </a:p>
+      </dgm:t>
     </dgm:pt>
     <dgm:pt modelId="{B3B794D4-0C0C-4E5A-B2F5-CBD4A9498ABB}" type="pres">
       <dgm:prSet presAssocID="{27D2B6A9-FFEB-4530-A7D6-932E5120090B}" presName="sibTrans" presStyleCnt="0"/>
@@ -2444,28 +2465,35 @@
         </dgm:presLayoutVars>
       </dgm:prSet>
       <dgm:spPr/>
+      <dgm:t>
+        <a:bodyPr/>
+        <a:lstStyle/>
+        <a:p>
+          <a:endParaRPr lang="en-US"/>
+        </a:p>
+      </dgm:t>
     </dgm:pt>
   </dgm:ptLst>
   <dgm:cxnLst>
+    <dgm:cxn modelId="{55138F1E-01D3-4CD6-A280-603342D50863}" type="presOf" srcId="{07127421-B1DB-4614-9309-B07B3DE38419}" destId="{A8767C69-185C-4B96-9F00-E550000B9C96}" srcOrd="0" destOrd="1" presId="urn:microsoft.com/office/officeart/2005/8/layout/hProcess9"/>
+    <dgm:cxn modelId="{DA85E77F-25C0-4B59-B057-B0D1C2FBECB9}" type="presOf" srcId="{50566C3F-72D8-4B9D-B172-562EE4AEA551}" destId="{5B5A6F85-06A4-4980-AA69-6E2BABE04015}" srcOrd="0" destOrd="0" presId="urn:microsoft.com/office/officeart/2005/8/layout/hProcess9"/>
+    <dgm:cxn modelId="{642ED434-1379-405B-8656-F68376D5B72E}" srcId="{50566C3F-72D8-4B9D-B172-562EE4AEA551}" destId="{4677E005-F769-4A9D-91D0-4A0342C20D4E}" srcOrd="0" destOrd="0" parTransId="{661547F2-BACD-4034-8B7B-94D7D0F7C8B7}" sibTransId="{805B52CF-8124-4903-96AC-CDD12D94ECAE}"/>
+    <dgm:cxn modelId="{86D2A0D5-A28D-48C1-BDE3-2233ECFAD03C}" type="presOf" srcId="{4677E005-F769-4A9D-91D0-4A0342C20D4E}" destId="{7E5B0976-430A-4222-BF6E-212E29A31958}" srcOrd="0" destOrd="0" presId="urn:microsoft.com/office/officeart/2005/8/layout/hProcess9"/>
+    <dgm:cxn modelId="{4A54AE33-0C66-49FC-99EB-FFDAC977245E}" srcId="{50566C3F-72D8-4B9D-B172-562EE4AEA551}" destId="{649843C5-9CA6-446A-9731-6DBB3333D83D}" srcOrd="2" destOrd="0" parTransId="{99AFE336-CE31-4DE5-9007-CE4436580697}" sibTransId="{85BA92F0-E471-482B-A0F0-634B9BD71D69}"/>
+    <dgm:cxn modelId="{F8CDDE9A-9261-4868-A9EA-BE26FD81A6B8}" type="presOf" srcId="{5EE58050-B517-41D0-AEA9-591C272A1314}" destId="{A8767C69-185C-4B96-9F00-E550000B9C96}" srcOrd="0" destOrd="2" presId="urn:microsoft.com/office/officeart/2005/8/layout/hProcess9"/>
+    <dgm:cxn modelId="{019A93FE-5102-4A2B-B8D2-CD97953C1E27}" type="presOf" srcId="{C9FC2216-03D6-4316-B115-CE4547F5AF62}" destId="{4FEA9211-38AC-414A-BC60-3561B720BFC4}" srcOrd="0" destOrd="2" presId="urn:microsoft.com/office/officeart/2005/8/layout/hProcess9"/>
+    <dgm:cxn modelId="{A3725179-D09A-4893-A2D2-36CDC20F9792}" srcId="{68E6159D-47D3-4DA7-850F-16C5A8B2557B}" destId="{C5EDC3FF-EA6E-471D-815B-CFA750C4F706}" srcOrd="0" destOrd="0" parTransId="{16B9CBD4-0F9A-4236-B0D3-5A0ECB85FB3B}" sibTransId="{344A6458-A44A-44EA-8474-4E8C98BF094E}"/>
+    <dgm:cxn modelId="{87A3A9E0-B465-4BF9-9F27-9F73232DD4FE}" type="presOf" srcId="{E0A1DD6A-FEB4-4EC2-AC2D-D67D26074C6E}" destId="{7E5B0976-430A-4222-BF6E-212E29A31958}" srcOrd="0" destOrd="2" presId="urn:microsoft.com/office/officeart/2005/8/layout/hProcess9"/>
     <dgm:cxn modelId="{A92F6104-0861-40F9-A77F-A14F60919CE1}" srcId="{4677E005-F769-4A9D-91D0-4A0342C20D4E}" destId="{E0A1DD6A-FEB4-4EC2-AC2D-D67D26074C6E}" srcOrd="1" destOrd="0" parTransId="{078C20F8-997F-449F-AEE8-E7DB9471B662}" sibTransId="{C1B4AC7E-7354-437E-8B60-8EB8E31CF99E}"/>
-    <dgm:cxn modelId="{8740DB06-6AAB-43A3-A89B-C3718342AAC7}" type="presOf" srcId="{649843C5-9CA6-446A-9731-6DBB3333D83D}" destId="{A8767C69-185C-4B96-9F00-E550000B9C96}" srcOrd="0" destOrd="0" presId="urn:microsoft.com/office/officeart/2005/8/layout/hProcess9"/>
-    <dgm:cxn modelId="{55138F1E-01D3-4CD6-A280-603342D50863}" type="presOf" srcId="{07127421-B1DB-4614-9309-B07B3DE38419}" destId="{A8767C69-185C-4B96-9F00-E550000B9C96}" srcOrd="0" destOrd="1" presId="urn:microsoft.com/office/officeart/2005/8/layout/hProcess9"/>
-    <dgm:cxn modelId="{4A54AE33-0C66-49FC-99EB-FFDAC977245E}" srcId="{50566C3F-72D8-4B9D-B172-562EE4AEA551}" destId="{649843C5-9CA6-446A-9731-6DBB3333D83D}" srcOrd="2" destOrd="0" parTransId="{99AFE336-CE31-4DE5-9007-CE4436580697}" sibTransId="{85BA92F0-E471-482B-A0F0-634B9BD71D69}"/>
-    <dgm:cxn modelId="{642ED434-1379-405B-8656-F68376D5B72E}" srcId="{50566C3F-72D8-4B9D-B172-562EE4AEA551}" destId="{4677E005-F769-4A9D-91D0-4A0342C20D4E}" srcOrd="0" destOrd="0" parTransId="{661547F2-BACD-4034-8B7B-94D7D0F7C8B7}" sibTransId="{805B52CF-8124-4903-96AC-CDD12D94ECAE}"/>
     <dgm:cxn modelId="{655DB861-49DE-45FF-A33F-D1137C4FBC81}" srcId="{649843C5-9CA6-446A-9731-6DBB3333D83D}" destId="{5EE58050-B517-41D0-AEA9-591C272A1314}" srcOrd="1" destOrd="0" parTransId="{ED641DF8-5419-45E2-A9B0-D1BD363B1E0F}" sibTransId="{0C6F117D-963A-4A3D-858A-1AE457E575F2}"/>
-    <dgm:cxn modelId="{DA902746-AF7F-4137-88B4-402A8B3C47C2}" type="presOf" srcId="{68E6159D-47D3-4DA7-850F-16C5A8B2557B}" destId="{4FEA9211-38AC-414A-BC60-3561B720BFC4}" srcOrd="0" destOrd="0" presId="urn:microsoft.com/office/officeart/2005/8/layout/hProcess9"/>
     <dgm:cxn modelId="{D4BBF14E-27AE-4FF6-B245-19D5601F8936}" srcId="{649843C5-9CA6-446A-9731-6DBB3333D83D}" destId="{07127421-B1DB-4614-9309-B07B3DE38419}" srcOrd="0" destOrd="0" parTransId="{02276A56-DDD4-40F2-9278-131ADA994981}" sibTransId="{DEB7D60C-25CB-4E9E-B3CA-3212478EEE2C}"/>
     <dgm:cxn modelId="{EF82A94F-C753-4A75-9FEB-9785A4BBAEC6}" srcId="{4677E005-F769-4A9D-91D0-4A0342C20D4E}" destId="{67586C50-7147-4EBB-8399-1183C1E5EE38}" srcOrd="0" destOrd="0" parTransId="{2FA489F3-BEC8-4CF9-A658-2325CD28E622}" sibTransId="{C9AAE18C-356E-4C9D-A89F-81E06A010621}"/>
-    <dgm:cxn modelId="{A3725179-D09A-4893-A2D2-36CDC20F9792}" srcId="{68E6159D-47D3-4DA7-850F-16C5A8B2557B}" destId="{C5EDC3FF-EA6E-471D-815B-CFA750C4F706}" srcOrd="0" destOrd="0" parTransId="{16B9CBD4-0F9A-4236-B0D3-5A0ECB85FB3B}" sibTransId="{344A6458-A44A-44EA-8474-4E8C98BF094E}"/>
-    <dgm:cxn modelId="{DA85E77F-25C0-4B59-B057-B0D1C2FBECB9}" type="presOf" srcId="{50566C3F-72D8-4B9D-B172-562EE4AEA551}" destId="{5B5A6F85-06A4-4980-AA69-6E2BABE04015}" srcOrd="0" destOrd="0" presId="urn:microsoft.com/office/officeart/2005/8/layout/hProcess9"/>
+    <dgm:cxn modelId="{DA902746-AF7F-4137-88B4-402A8B3C47C2}" type="presOf" srcId="{68E6159D-47D3-4DA7-850F-16C5A8B2557B}" destId="{4FEA9211-38AC-414A-BC60-3561B720BFC4}" srcOrd="0" destOrd="0" presId="urn:microsoft.com/office/officeart/2005/8/layout/hProcess9"/>
+    <dgm:cxn modelId="{A98752BC-1347-4BAA-AB0E-1BACE661B5E0}" srcId="{50566C3F-72D8-4B9D-B172-562EE4AEA551}" destId="{68E6159D-47D3-4DA7-850F-16C5A8B2557B}" srcOrd="1" destOrd="0" parTransId="{69B705C9-B319-4298-9A66-C519206EB941}" sibTransId="{27D2B6A9-FFEB-4530-A7D6-932E5120090B}"/>
     <dgm:cxn modelId="{2E22BF80-8ED0-4761-8FA1-330D78DB88AB}" srcId="{68E6159D-47D3-4DA7-850F-16C5A8B2557B}" destId="{C9FC2216-03D6-4316-B115-CE4547F5AF62}" srcOrd="1" destOrd="0" parTransId="{A8357C69-6FE9-45BD-A53B-F02A3AE25AD7}" sibTransId="{992B276D-8F7E-4349-911E-A3D5AF6CBF8C}"/>
-    <dgm:cxn modelId="{F8CDDE9A-9261-4868-A9EA-BE26FD81A6B8}" type="presOf" srcId="{5EE58050-B517-41D0-AEA9-591C272A1314}" destId="{A8767C69-185C-4B96-9F00-E550000B9C96}" srcOrd="0" destOrd="2" presId="urn:microsoft.com/office/officeart/2005/8/layout/hProcess9"/>
+    <dgm:cxn modelId="{4970FBC5-F441-4C6D-A262-9654943E5036}" type="presOf" srcId="{67586C50-7147-4EBB-8399-1183C1E5EE38}" destId="{7E5B0976-430A-4222-BF6E-212E29A31958}" srcOrd="0" destOrd="1" presId="urn:microsoft.com/office/officeart/2005/8/layout/hProcess9"/>
+    <dgm:cxn modelId="{8740DB06-6AAB-43A3-A89B-C3718342AAC7}" type="presOf" srcId="{649843C5-9CA6-446A-9731-6DBB3333D83D}" destId="{A8767C69-185C-4B96-9F00-E550000B9C96}" srcOrd="0" destOrd="0" presId="urn:microsoft.com/office/officeart/2005/8/layout/hProcess9"/>
     <dgm:cxn modelId="{81D31EA0-1AB1-4529-B5DA-B4FE0AD1306D}" type="presOf" srcId="{C5EDC3FF-EA6E-471D-815B-CFA750C4F706}" destId="{4FEA9211-38AC-414A-BC60-3561B720BFC4}" srcOrd="0" destOrd="1" presId="urn:microsoft.com/office/officeart/2005/8/layout/hProcess9"/>
-    <dgm:cxn modelId="{A98752BC-1347-4BAA-AB0E-1BACE661B5E0}" srcId="{50566C3F-72D8-4B9D-B172-562EE4AEA551}" destId="{68E6159D-47D3-4DA7-850F-16C5A8B2557B}" srcOrd="1" destOrd="0" parTransId="{69B705C9-B319-4298-9A66-C519206EB941}" sibTransId="{27D2B6A9-FFEB-4530-A7D6-932E5120090B}"/>
-    <dgm:cxn modelId="{4970FBC5-F441-4C6D-A262-9654943E5036}" type="presOf" srcId="{67586C50-7147-4EBB-8399-1183C1E5EE38}" destId="{7E5B0976-430A-4222-BF6E-212E29A31958}" srcOrd="0" destOrd="1" presId="urn:microsoft.com/office/officeart/2005/8/layout/hProcess9"/>
-    <dgm:cxn modelId="{86D2A0D5-A28D-48C1-BDE3-2233ECFAD03C}" type="presOf" srcId="{4677E005-F769-4A9D-91D0-4A0342C20D4E}" destId="{7E5B0976-430A-4222-BF6E-212E29A31958}" srcOrd="0" destOrd="0" presId="urn:microsoft.com/office/officeart/2005/8/layout/hProcess9"/>
-    <dgm:cxn modelId="{87A3A9E0-B465-4BF9-9F27-9F73232DD4FE}" type="presOf" srcId="{E0A1DD6A-FEB4-4EC2-AC2D-D67D26074C6E}" destId="{7E5B0976-430A-4222-BF6E-212E29A31958}" srcOrd="0" destOrd="2" presId="urn:microsoft.com/office/officeart/2005/8/layout/hProcess9"/>
-    <dgm:cxn modelId="{019A93FE-5102-4A2B-B8D2-CD97953C1E27}" type="presOf" srcId="{C9FC2216-03D6-4316-B115-CE4547F5AF62}" destId="{4FEA9211-38AC-414A-BC60-3561B720BFC4}" srcOrd="0" destOrd="2" presId="urn:microsoft.com/office/officeart/2005/8/layout/hProcess9"/>
     <dgm:cxn modelId="{5F064828-2353-4B82-AC16-ADE5D197750F}" type="presParOf" srcId="{5B5A6F85-06A4-4980-AA69-6E2BABE04015}" destId="{40F8DB0F-8A4F-48F6-B8FF-02EA328EA6E7}" srcOrd="0" destOrd="0" presId="urn:microsoft.com/office/officeart/2005/8/layout/hProcess9"/>
     <dgm:cxn modelId="{F8A0DC51-FDAE-4D32-8D71-AA0982B0A263}" type="presParOf" srcId="{5B5A6F85-06A4-4980-AA69-6E2BABE04015}" destId="{97CC1BF7-24DF-4DCA-9ECE-D4E8CEBB1507}" srcOrd="1" destOrd="0" presId="urn:microsoft.com/office/officeart/2005/8/layout/hProcess9"/>
     <dgm:cxn modelId="{0243F051-E7F4-4E3F-BE97-DF03219C372F}" type="presParOf" srcId="{97CC1BF7-24DF-4DCA-9ECE-D4E8CEBB1507}" destId="{7E5B0976-430A-4222-BF6E-212E29A31958}" srcOrd="0" destOrd="0" presId="urn:microsoft.com/office/officeart/2005/8/layout/hProcess9"/>
@@ -3098,6 +3126,13 @@
         </dgm:presLayoutVars>
       </dgm:prSet>
       <dgm:spPr/>
+      <dgm:t>
+        <a:bodyPr/>
+        <a:lstStyle/>
+        <a:p>
+          <a:endParaRPr lang="en-US"/>
+        </a:p>
+      </dgm:t>
     </dgm:pt>
     <dgm:pt modelId="{06BB7C01-9DF8-40B4-A58D-9ECD11BDC83F}" type="pres">
       <dgm:prSet presAssocID="{D67C4600-62E5-4084-84C0-FD2FB9AD0B6C}" presName="arc1" presStyleLbl="node1" presStyleIdx="0" presStyleCnt="4"/>
@@ -3182,6 +3217,13 @@
         </dgm:presLayoutVars>
       </dgm:prSet>
       <dgm:spPr/>
+      <dgm:t>
+        <a:bodyPr/>
+        <a:lstStyle/>
+        <a:p>
+          <a:endParaRPr lang="en-US"/>
+        </a:p>
+      </dgm:t>
     </dgm:pt>
     <dgm:pt modelId="{0518B534-DC62-4E17-85D9-AA657CEE396C}" type="pres">
       <dgm:prSet presAssocID="{D67C4600-62E5-4084-84C0-FD2FB9AD0B6C}" presName="arc2" presStyleLbl="node1" presStyleIdx="2" presStyleCnt="4"/>
@@ -3266,6 +3308,13 @@
         </dgm:presLayoutVars>
       </dgm:prSet>
       <dgm:spPr/>
+      <dgm:t>
+        <a:bodyPr/>
+        <a:lstStyle/>
+        <a:p>
+          <a:endParaRPr lang="en-US"/>
+        </a:p>
+      </dgm:t>
     </dgm:pt>
     <dgm:pt modelId="{D3789300-F881-4FDF-91F6-5DBD53B414A6}" type="pres">
       <dgm:prSet presAssocID="{D67C4600-62E5-4084-84C0-FD2FB9AD0B6C}" presName="middleComposite" presStyleCnt="0"/>
@@ -3274,6 +3323,13 @@
     <dgm:pt modelId="{847A7E92-B625-40C2-A963-87CF4AE3591E}" type="pres">
       <dgm:prSet presAssocID="{586AA99F-AB66-49AB-A326-73D6F1E88ADA}" presName="circ1" presStyleLbl="vennNode1" presStyleIdx="0" presStyleCnt="7"/>
       <dgm:spPr/>
+      <dgm:t>
+        <a:bodyPr/>
+        <a:lstStyle/>
+        <a:p>
+          <a:endParaRPr lang="en-US"/>
+        </a:p>
+      </dgm:t>
     </dgm:pt>
     <dgm:pt modelId="{7824FE74-F258-4BBB-840B-453268255048}" type="pres">
       <dgm:prSet presAssocID="{586AA99F-AB66-49AB-A326-73D6F1E88ADA}" presName="circ1Tx" presStyleLbl="revTx" presStyleIdx="1" presStyleCnt="3">
@@ -3283,10 +3339,24 @@
         </dgm:presLayoutVars>
       </dgm:prSet>
       <dgm:spPr/>
+      <dgm:t>
+        <a:bodyPr/>
+        <a:lstStyle/>
+        <a:p>
+          <a:endParaRPr lang="en-US"/>
+        </a:p>
+      </dgm:t>
     </dgm:pt>
     <dgm:pt modelId="{499C3869-671C-4F35-8193-25989D6868C4}" type="pres">
       <dgm:prSet presAssocID="{3162AD7F-CC80-4477-8BAA-A265E296BEB7}" presName="circ2" presStyleLbl="vennNode1" presStyleIdx="1" presStyleCnt="7"/>
       <dgm:spPr/>
+      <dgm:t>
+        <a:bodyPr/>
+        <a:lstStyle/>
+        <a:p>
+          <a:endParaRPr lang="en-US"/>
+        </a:p>
+      </dgm:t>
     </dgm:pt>
     <dgm:pt modelId="{D105F40B-E325-4309-B8FA-F314861C5770}" type="pres">
       <dgm:prSet presAssocID="{3162AD7F-CC80-4477-8BAA-A265E296BEB7}" presName="circ2Tx" presStyleLbl="revTx" presStyleIdx="1" presStyleCnt="3">
@@ -3296,6 +3366,13 @@
         </dgm:presLayoutVars>
       </dgm:prSet>
       <dgm:spPr/>
+      <dgm:t>
+        <a:bodyPr/>
+        <a:lstStyle/>
+        <a:p>
+          <a:endParaRPr lang="en-US"/>
+        </a:p>
+      </dgm:t>
     </dgm:pt>
     <dgm:pt modelId="{44AFB30A-1692-4D5A-8D97-4CF4A13D5FC1}" type="pres">
       <dgm:prSet presAssocID="{D67C4600-62E5-4084-84C0-FD2FB9AD0B6C}" presName="leftComposite" presStyleCnt="0"/>
@@ -3309,6 +3386,13 @@
         </dgm:presLayoutVars>
       </dgm:prSet>
       <dgm:spPr/>
+      <dgm:t>
+        <a:bodyPr/>
+        <a:lstStyle/>
+        <a:p>
+          <a:endParaRPr lang="en-US"/>
+        </a:p>
+      </dgm:t>
     </dgm:pt>
     <dgm:pt modelId="{FE4AA2AE-1E25-43B1-9B19-CFE51BE51A15}" type="pres">
       <dgm:prSet presAssocID="{C6AB1840-21EA-4229-A79D-F04AB66763BC}" presName="ellipse1" presStyleLbl="vennNode1" presStyleIdx="3" presStyleCnt="7"/>
@@ -3386,6 +3470,13 @@
         </dgm:presLayoutVars>
       </dgm:prSet>
       <dgm:spPr/>
+      <dgm:t>
+        <a:bodyPr/>
+        <a:lstStyle/>
+        <a:p>
+          <a:endParaRPr lang="en-US"/>
+        </a:p>
+      </dgm:t>
     </dgm:pt>
     <dgm:pt modelId="{867564D6-4CBC-4E74-868E-75914939A563}" type="pres">
       <dgm:prSet presAssocID="{E59C24D7-567B-4827-8028-D3040DBF7F21}" presName="ellipse3" presStyleLbl="vennNode1" presStyleIdx="6" presStyleCnt="7"/>
@@ -3429,6 +3520,13 @@
         </dgm:presLayoutVars>
       </dgm:prSet>
       <dgm:spPr/>
+      <dgm:t>
+        <a:bodyPr/>
+        <a:lstStyle/>
+        <a:p>
+          <a:endParaRPr lang="en-US"/>
+        </a:p>
+      </dgm:t>
     </dgm:pt>
     <dgm:pt modelId="{7F8286A3-6B65-4F08-B8CE-5A1952659120}" type="pres">
       <dgm:prSet presAssocID="{D67C4600-62E5-4084-84C0-FD2FB9AD0B6C}" presName="parentText1" presStyleLbl="revTx" presStyleIdx="2" presStyleCnt="3">
@@ -3439,28 +3537,35 @@
         </dgm:presLayoutVars>
       </dgm:prSet>
       <dgm:spPr/>
+      <dgm:t>
+        <a:bodyPr/>
+        <a:lstStyle/>
+        <a:p>
+          <a:endParaRPr lang="en-US"/>
+        </a:p>
+      </dgm:t>
     </dgm:pt>
   </dgm:ptLst>
   <dgm:cxnLst>
     <dgm:cxn modelId="{34D20401-5C10-413F-8A68-DE5E1857B6F8}" type="presOf" srcId="{C6AB1840-21EA-4229-A79D-F04AB66763BC}" destId="{BFBFC44E-8039-47C7-8EB4-2232798AF365}" srcOrd="0" destOrd="0" presId="urn:microsoft.com/office/officeart/2009/3/layout/PhasedProcess"/>
+    <dgm:cxn modelId="{2A80272B-95AE-4E36-9924-69E372B62013}" type="presOf" srcId="{586AA99F-AB66-49AB-A326-73D6F1E88ADA}" destId="{847A7E92-B625-40C2-A963-87CF4AE3591E}" srcOrd="0" destOrd="0" presId="urn:microsoft.com/office/officeart/2009/3/layout/PhasedProcess"/>
+    <dgm:cxn modelId="{6284F3F5-A796-411E-94EB-6731318116EF}" type="presOf" srcId="{3162AD7F-CC80-4477-8BAA-A265E296BEB7}" destId="{D105F40B-E325-4309-B8FA-F314861C5770}" srcOrd="1" destOrd="0" presId="urn:microsoft.com/office/officeart/2009/3/layout/PhasedProcess"/>
+    <dgm:cxn modelId="{3392E6C5-D3A6-495D-A461-7F3C8A9056C5}" type="presOf" srcId="{3162AD7F-CC80-4477-8BAA-A265E296BEB7}" destId="{499C3869-671C-4F35-8193-25989D6868C4}" srcOrd="0" destOrd="0" presId="urn:microsoft.com/office/officeart/2009/3/layout/PhasedProcess"/>
     <dgm:cxn modelId="{BC029B1D-5069-4C69-9747-C8B4030D6DC6}" srcId="{D67C4600-62E5-4084-84C0-FD2FB9AD0B6C}" destId="{21E528D7-9A98-4B55-AFBC-B7D0BB13E3AA}" srcOrd="1" destOrd="0" parTransId="{7F9A6506-434A-4145-8EC8-A282B6C84DAE}" sibTransId="{258ED730-EF84-4E7B-B343-05670FD95BF3}"/>
+    <dgm:cxn modelId="{C5FF40E4-752E-4AA5-A084-7D419203E62D}" srcId="{A0ACE874-2F14-4B94-B78C-6E888302E845}" destId="{4F3A271F-7707-4DD7-8DD0-3950F4B8EDA4}" srcOrd="0" destOrd="0" parTransId="{7DA8B6DE-7FE4-4789-80EF-0D16B56BF8FC}" sibTransId="{6FE39593-4B74-41A4-823F-9FCAB96DF955}"/>
+    <dgm:cxn modelId="{5D2B2A3B-7558-4AD1-A375-41B8C8A3CEA2}" type="presOf" srcId="{5921E58E-391F-4700-A092-5240F051CDEF}" destId="{7F8286A3-6B65-4F08-B8CE-5A1952659120}" srcOrd="0" destOrd="0" presId="urn:microsoft.com/office/officeart/2009/3/layout/PhasedProcess"/>
+    <dgm:cxn modelId="{7B5A5CEE-A4C2-4639-84D6-F30E1BEA8A9E}" type="presOf" srcId="{A0ACE874-2F14-4B94-B78C-6E888302E845}" destId="{D6A1863D-44C1-404B-8B32-4F6379312C2F}" srcOrd="0" destOrd="0" presId="urn:microsoft.com/office/officeart/2009/3/layout/PhasedProcess"/>
+    <dgm:cxn modelId="{5749EAB6-AA64-4981-BDF8-9B3B019B06B9}" srcId="{21E528D7-9A98-4B55-AFBC-B7D0BB13E3AA}" destId="{3162AD7F-CC80-4477-8BAA-A265E296BEB7}" srcOrd="1" destOrd="0" parTransId="{2BC4BE57-447E-4240-9528-577B843D32CB}" sibTransId="{711941E0-9109-4AC0-8DD4-EF75215FF61E}"/>
+    <dgm:cxn modelId="{1123A926-06A5-456C-8194-95F6665DC39A}" type="presOf" srcId="{586AA99F-AB66-49AB-A326-73D6F1E88ADA}" destId="{7824FE74-F258-4BBB-840B-453268255048}" srcOrd="1" destOrd="0" presId="urn:microsoft.com/office/officeart/2009/3/layout/PhasedProcess"/>
+    <dgm:cxn modelId="{0C83BBB3-C21D-45EA-B015-644F7364DFD7}" srcId="{D67C4600-62E5-4084-84C0-FD2FB9AD0B6C}" destId="{5921E58E-391F-4700-A092-5240F051CDEF}" srcOrd="0" destOrd="0" parTransId="{19CACE21-E2AC-4B78-A887-18D45365F2DF}" sibTransId="{BBDE1A54-469C-4750-8084-F46FA939CD20}"/>
+    <dgm:cxn modelId="{F49B3393-7A5E-441E-B462-1127D987FC2D}" srcId="{D67C4600-62E5-4084-84C0-FD2FB9AD0B6C}" destId="{A0ACE874-2F14-4B94-B78C-6E888302E845}" srcOrd="2" destOrd="0" parTransId="{1A7FA424-B4CD-45F9-9EA4-E7A734479AF2}" sibTransId="{5C224387-DB7D-4C8D-88DF-7ADAE9ED9AA1}"/>
+    <dgm:cxn modelId="{E6245EE8-D483-4724-AF12-502062F1C5B6}" type="presOf" srcId="{D67C4600-62E5-4084-84C0-FD2FB9AD0B6C}" destId="{C31CC36F-4BBE-4ED0-8725-005D35483148}" srcOrd="0" destOrd="0" presId="urn:microsoft.com/office/officeart/2009/3/layout/PhasedProcess"/>
     <dgm:cxn modelId="{D1810721-E9BF-4762-B32D-DB480E4E22A0}" type="presOf" srcId="{E59C24D7-567B-4827-8028-D3040DBF7F21}" destId="{A1C36037-A659-47E1-9158-721142E95F2D}" srcOrd="0" destOrd="0" presId="urn:microsoft.com/office/officeart/2009/3/layout/PhasedProcess"/>
-    <dgm:cxn modelId="{1123A926-06A5-456C-8194-95F6665DC39A}" type="presOf" srcId="{586AA99F-AB66-49AB-A326-73D6F1E88ADA}" destId="{7824FE74-F258-4BBB-840B-453268255048}" srcOrd="1" destOrd="0" presId="urn:microsoft.com/office/officeart/2009/3/layout/PhasedProcess"/>
-    <dgm:cxn modelId="{2A80272B-95AE-4E36-9924-69E372B62013}" type="presOf" srcId="{586AA99F-AB66-49AB-A326-73D6F1E88ADA}" destId="{847A7E92-B625-40C2-A963-87CF4AE3591E}" srcOrd="0" destOrd="0" presId="urn:microsoft.com/office/officeart/2009/3/layout/PhasedProcess"/>
-    <dgm:cxn modelId="{5D2B2A3B-7558-4AD1-A375-41B8C8A3CEA2}" type="presOf" srcId="{5921E58E-391F-4700-A092-5240F051CDEF}" destId="{7F8286A3-6B65-4F08-B8CE-5A1952659120}" srcOrd="0" destOrd="0" presId="urn:microsoft.com/office/officeart/2009/3/layout/PhasedProcess"/>
+    <dgm:cxn modelId="{E9F5DAB0-2DD0-4531-ACD2-6B94F733E61A}" type="presOf" srcId="{21E528D7-9A98-4B55-AFBC-B7D0BB13E3AA}" destId="{B38C9642-7F80-48C2-9905-34576DDC7FEB}" srcOrd="0" destOrd="0" presId="urn:microsoft.com/office/officeart/2009/3/layout/PhasedProcess"/>
+    <dgm:cxn modelId="{127E1448-A23A-4E39-B11C-423104D71F67}" srcId="{5921E58E-391F-4700-A092-5240F051CDEF}" destId="{E59C24D7-567B-4827-8028-D3040DBF7F21}" srcOrd="1" destOrd="0" parTransId="{A4F91B9E-4D2F-43C1-A361-A47D2BBB1254}" sibTransId="{DF3E3C4A-7EA7-43B0-B41B-521987379B88}"/>
     <dgm:cxn modelId="{3302A15B-98EA-47FC-A1DF-0FE95C6130D5}" type="presOf" srcId="{4F3A271F-7707-4DD7-8DD0-3950F4B8EDA4}" destId="{5A8BD94B-5744-4BCD-879D-246997A1BE67}" srcOrd="0" destOrd="0" presId="urn:microsoft.com/office/officeart/2009/3/layout/PhasedProcess"/>
-    <dgm:cxn modelId="{127E1448-A23A-4E39-B11C-423104D71F67}" srcId="{5921E58E-391F-4700-A092-5240F051CDEF}" destId="{E59C24D7-567B-4827-8028-D3040DBF7F21}" srcOrd="1" destOrd="0" parTransId="{A4F91B9E-4D2F-43C1-A361-A47D2BBB1254}" sibTransId="{DF3E3C4A-7EA7-43B0-B41B-521987379B88}"/>
+    <dgm:cxn modelId="{3699285A-34E9-460E-8AEF-F0FB46133626}" srcId="{21E528D7-9A98-4B55-AFBC-B7D0BB13E3AA}" destId="{586AA99F-AB66-49AB-A326-73D6F1E88ADA}" srcOrd="0" destOrd="0" parTransId="{894CE11F-6836-4CF0-B275-9F11BCDF3975}" sibTransId="{5B91AFB7-9452-421C-898A-706A5C7DF4BB}"/>
     <dgm:cxn modelId="{3346644E-3177-487E-A713-E75AE91085D5}" srcId="{5921E58E-391F-4700-A092-5240F051CDEF}" destId="{C6AB1840-21EA-4229-A79D-F04AB66763BC}" srcOrd="0" destOrd="0" parTransId="{66663020-3B42-4CAC-BCCC-F2702C9E88CF}" sibTransId="{71ECAE4B-0B35-4D91-B89F-EAE7C7CCC3FA}"/>
-    <dgm:cxn modelId="{3699285A-34E9-460E-8AEF-F0FB46133626}" srcId="{21E528D7-9A98-4B55-AFBC-B7D0BB13E3AA}" destId="{586AA99F-AB66-49AB-A326-73D6F1E88ADA}" srcOrd="0" destOrd="0" parTransId="{894CE11F-6836-4CF0-B275-9F11BCDF3975}" sibTransId="{5B91AFB7-9452-421C-898A-706A5C7DF4BB}"/>
-    <dgm:cxn modelId="{F49B3393-7A5E-441E-B462-1127D987FC2D}" srcId="{D67C4600-62E5-4084-84C0-FD2FB9AD0B6C}" destId="{A0ACE874-2F14-4B94-B78C-6E888302E845}" srcOrd="2" destOrd="0" parTransId="{1A7FA424-B4CD-45F9-9EA4-E7A734479AF2}" sibTransId="{5C224387-DB7D-4C8D-88DF-7ADAE9ED9AA1}"/>
-    <dgm:cxn modelId="{E9F5DAB0-2DD0-4531-ACD2-6B94F733E61A}" type="presOf" srcId="{21E528D7-9A98-4B55-AFBC-B7D0BB13E3AA}" destId="{B38C9642-7F80-48C2-9905-34576DDC7FEB}" srcOrd="0" destOrd="0" presId="urn:microsoft.com/office/officeart/2009/3/layout/PhasedProcess"/>
-    <dgm:cxn modelId="{0C83BBB3-C21D-45EA-B015-644F7364DFD7}" srcId="{D67C4600-62E5-4084-84C0-FD2FB9AD0B6C}" destId="{5921E58E-391F-4700-A092-5240F051CDEF}" srcOrd="0" destOrd="0" parTransId="{19CACE21-E2AC-4B78-A887-18D45365F2DF}" sibTransId="{BBDE1A54-469C-4750-8084-F46FA939CD20}"/>
-    <dgm:cxn modelId="{5749EAB6-AA64-4981-BDF8-9B3B019B06B9}" srcId="{21E528D7-9A98-4B55-AFBC-B7D0BB13E3AA}" destId="{3162AD7F-CC80-4477-8BAA-A265E296BEB7}" srcOrd="1" destOrd="0" parTransId="{2BC4BE57-447E-4240-9528-577B843D32CB}" sibTransId="{711941E0-9109-4AC0-8DD4-EF75215FF61E}"/>
-    <dgm:cxn modelId="{3392E6C5-D3A6-495D-A461-7F3C8A9056C5}" type="presOf" srcId="{3162AD7F-CC80-4477-8BAA-A265E296BEB7}" destId="{499C3869-671C-4F35-8193-25989D6868C4}" srcOrd="0" destOrd="0" presId="urn:microsoft.com/office/officeart/2009/3/layout/PhasedProcess"/>
-    <dgm:cxn modelId="{C5FF40E4-752E-4AA5-A084-7D419203E62D}" srcId="{A0ACE874-2F14-4B94-B78C-6E888302E845}" destId="{4F3A271F-7707-4DD7-8DD0-3950F4B8EDA4}" srcOrd="0" destOrd="0" parTransId="{7DA8B6DE-7FE4-4789-80EF-0D16B56BF8FC}" sibTransId="{6FE39593-4B74-41A4-823F-9FCAB96DF955}"/>
-    <dgm:cxn modelId="{E6245EE8-D483-4724-AF12-502062F1C5B6}" type="presOf" srcId="{D67C4600-62E5-4084-84C0-FD2FB9AD0B6C}" destId="{C31CC36F-4BBE-4ED0-8725-005D35483148}" srcOrd="0" destOrd="0" presId="urn:microsoft.com/office/officeart/2009/3/layout/PhasedProcess"/>
-    <dgm:cxn modelId="{7B5A5CEE-A4C2-4639-84D6-F30E1BEA8A9E}" type="presOf" srcId="{A0ACE874-2F14-4B94-B78C-6E888302E845}" destId="{D6A1863D-44C1-404B-8B32-4F6379312C2F}" srcOrd="0" destOrd="0" presId="urn:microsoft.com/office/officeart/2009/3/layout/PhasedProcess"/>
-    <dgm:cxn modelId="{6284F3F5-A796-411E-94EB-6731318116EF}" type="presOf" srcId="{3162AD7F-CC80-4477-8BAA-A265E296BEB7}" destId="{D105F40B-E325-4309-B8FA-F314861C5770}" srcOrd="1" destOrd="0" presId="urn:microsoft.com/office/officeart/2009/3/layout/PhasedProcess"/>
     <dgm:cxn modelId="{2FD13A22-422D-4D17-9657-D8F1B07A4176}" type="presParOf" srcId="{C31CC36F-4BBE-4ED0-8725-005D35483148}" destId="{06BB7C01-9DF8-40B4-A58D-9ECD11BDC83F}" srcOrd="0" destOrd="0" presId="urn:microsoft.com/office/officeart/2009/3/layout/PhasedProcess"/>
     <dgm:cxn modelId="{2C126DC2-C533-44E8-861F-0CD3C78AE045}" type="presParOf" srcId="{C31CC36F-4BBE-4ED0-8725-005D35483148}" destId="{26B73948-FDF9-43F7-9904-372FD2B3961A}" srcOrd="1" destOrd="0" presId="urn:microsoft.com/office/officeart/2009/3/layout/PhasedProcess"/>
     <dgm:cxn modelId="{E14D4EAE-DC0D-4803-AF2B-474FB72D266D}" type="presParOf" srcId="{C31CC36F-4BBE-4ED0-8725-005D35483148}" destId="{B38C9642-7F80-48C2-9905-34576DDC7FEB}" srcOrd="2" destOrd="0" presId="urn:microsoft.com/office/officeart/2009/3/layout/PhasedProcess"/>
@@ -3594,7 +3699,7 @@
         </a:bodyPr>
         <a:lstStyle/>
         <a:p>
-          <a:pPr marL="0" lvl="0" indent="0" algn="l" defTabSz="1066800">
+          <a:pPr lvl="0" algn="l" defTabSz="1066800">
             <a:lnSpc>
               <a:spcPct val="90000"/>
             </a:lnSpc>
@@ -3629,7 +3734,7 @@
             <a:spcAft>
               <a:spcPct val="15000"/>
             </a:spcAft>
-            <a:buChar char="•"/>
+            <a:buChar char="••"/>
           </a:pPr>
           <a:r>
             <a:rPr lang="en-US" sz="1900" kern="1200" dirty="0">
@@ -3654,7 +3759,7 @@
             <a:spcAft>
               <a:spcPct val="15000"/>
             </a:spcAft>
-            <a:buChar char="•"/>
+            <a:buChar char="••"/>
           </a:pPr>
           <a:r>
             <a:rPr lang="en-US" sz="1900" kern="1200" dirty="0">
@@ -3729,7 +3834,7 @@
         </a:bodyPr>
         <a:lstStyle/>
         <a:p>
-          <a:pPr marL="0" lvl="0" indent="0" algn="l" defTabSz="1066800">
+          <a:pPr lvl="0" algn="l" defTabSz="1066800">
             <a:lnSpc>
               <a:spcPct val="90000"/>
             </a:lnSpc>
@@ -3764,7 +3869,7 @@
             <a:spcAft>
               <a:spcPct val="15000"/>
             </a:spcAft>
-            <a:buChar char="•"/>
+            <a:buChar char="••"/>
           </a:pPr>
           <a:r>
             <a:rPr lang="en-US" sz="1900" kern="1200" dirty="0">
@@ -3789,7 +3894,7 @@
             <a:spcAft>
               <a:spcPct val="15000"/>
             </a:spcAft>
-            <a:buChar char="•"/>
+            <a:buChar char="••"/>
           </a:pPr>
           <a:r>
             <a:rPr lang="en-US" sz="1900" kern="1200" dirty="0">
@@ -3864,7 +3969,7 @@
         </a:bodyPr>
         <a:lstStyle/>
         <a:p>
-          <a:pPr marL="0" lvl="0" indent="0" algn="l" defTabSz="1066800">
+          <a:pPr lvl="0" algn="l" defTabSz="1066800">
             <a:lnSpc>
               <a:spcPct val="90000"/>
             </a:lnSpc>
@@ -3899,7 +4004,7 @@
             <a:spcAft>
               <a:spcPct val="15000"/>
             </a:spcAft>
-            <a:buChar char="•"/>
+            <a:buChar char="••"/>
           </a:pPr>
           <a:r>
             <a:rPr lang="en-US" sz="1900" kern="1200" dirty="0">
@@ -3924,7 +4029,7 @@
             <a:spcAft>
               <a:spcPct val="15000"/>
             </a:spcAft>
-            <a:buChar char="•"/>
+            <a:buChar char="••"/>
           </a:pPr>
           <a:r>
             <a:rPr lang="en-US" sz="1900" kern="1200" dirty="0">
@@ -4101,7 +4206,7 @@
         </a:bodyPr>
         <a:lstStyle/>
         <a:p>
-          <a:pPr marL="0" lvl="0" indent="0" algn="ctr" defTabSz="1422400">
+          <a:pPr lvl="0" algn="ctr" defTabSz="1422400">
             <a:lnSpc>
               <a:spcPct val="90000"/>
             </a:lnSpc>
@@ -4281,7 +4386,7 @@
         </a:bodyPr>
         <a:lstStyle/>
         <a:p>
-          <a:pPr marL="0" lvl="0" indent="0" algn="ctr" defTabSz="1422400">
+          <a:pPr lvl="0" algn="ctr" defTabSz="1422400">
             <a:lnSpc>
               <a:spcPct val="90000"/>
             </a:lnSpc>
@@ -4372,7 +4477,7 @@
         </a:bodyPr>
         <a:lstStyle/>
         <a:p>
-          <a:pPr marL="0" lvl="0" indent="0" algn="ctr" defTabSz="488950">
+          <a:pPr lvl="0" algn="ctr" defTabSz="488950">
             <a:lnSpc>
               <a:spcPct val="90000"/>
             </a:lnSpc>
@@ -4463,7 +4568,7 @@
         </a:bodyPr>
         <a:lstStyle/>
         <a:p>
-          <a:pPr marL="0" lvl="0" indent="0" algn="ctr" defTabSz="488950">
+          <a:pPr lvl="0" algn="ctr" defTabSz="488950">
             <a:lnSpc>
               <a:spcPct val="90000"/>
             </a:lnSpc>
@@ -4554,7 +4659,7 @@
         </a:bodyPr>
         <a:lstStyle/>
         <a:p>
-          <a:pPr marL="0" lvl="0" indent="0" algn="ctr" defTabSz="577850">
+          <a:pPr lvl="0" algn="ctr" defTabSz="577850">
             <a:lnSpc>
               <a:spcPct val="90000"/>
             </a:lnSpc>
@@ -4742,7 +4847,7 @@
         </a:bodyPr>
         <a:lstStyle/>
         <a:p>
-          <a:pPr marL="0" lvl="0" indent="0" algn="ctr" defTabSz="577850">
+          <a:pPr lvl="0" algn="ctr" defTabSz="577850">
             <a:lnSpc>
               <a:spcPct val="90000"/>
             </a:lnSpc>
@@ -4886,7 +4991,7 @@
         </a:bodyPr>
         <a:lstStyle/>
         <a:p>
-          <a:pPr marL="0" lvl="0" indent="0" algn="ctr" defTabSz="1022350">
+          <a:pPr lvl="0" algn="ctr" defTabSz="1022350">
             <a:lnSpc>
               <a:spcPct val="90000"/>
             </a:lnSpc>
@@ -4953,7 +5058,7 @@
         </a:bodyPr>
         <a:lstStyle/>
         <a:p>
-          <a:pPr marL="0" lvl="0" indent="0" algn="ctr" defTabSz="1422400">
+          <a:pPr lvl="0" algn="ctr" defTabSz="1422400">
             <a:lnSpc>
               <a:spcPct val="90000"/>
             </a:lnSpc>
@@ -8457,7 +8562,7 @@
           <a:p>
             <a:fld id="{46BE0A99-7F05-42F8-8D10-B7D701853D1D}" type="datetimeFigureOut">
               <a:rPr lang="en-US" smtClean="0"/>
-              <a:t>1/10/2021</a:t>
+              <a:t>1/11/2021</a:t>
             </a:fld>
             <a:endParaRPr lang="en-US"/>
           </a:p>
@@ -9559,7 +9664,7 @@
             <a:fld id="{87DE6118-2437-4B30-8E3C-4D2BE6020583}" type="datetimeFigureOut">
               <a:rPr lang="en-US" dirty="0"/>
               <a:pPr/>
-              <a:t>1/10/2021</a:t>
+              <a:t>1/11/2021</a:t>
             </a:fld>
             <a:endParaRPr lang="en-US" dirty="0"/>
           </a:p>
@@ -9885,7 +9990,7 @@
           <a:p>
             <a:fld id="{87DE6118-2437-4B30-8E3C-4D2BE6020583}" type="datetimeFigureOut">
               <a:rPr lang="en-US" dirty="0"/>
-              <a:t>1/10/2021</a:t>
+              <a:t>1/11/2021</a:t>
             </a:fld>
             <a:endParaRPr lang="en-US" dirty="0"/>
           </a:p>
@@ -10060,7 +10165,7 @@
           <a:p>
             <a:fld id="{87DE6118-2437-4B30-8E3C-4D2BE6020583}" type="datetimeFigureOut">
               <a:rPr lang="en-US" dirty="0"/>
-              <a:t>1/10/2021</a:t>
+              <a:t>1/11/2021</a:t>
             </a:fld>
             <a:endParaRPr lang="en-US" dirty="0"/>
           </a:p>
@@ -10225,7 +10330,7 @@
           <a:p>
             <a:fld id="{87DE6118-2437-4B30-8E3C-4D2BE6020583}" type="datetimeFigureOut">
               <a:rPr lang="en-US" dirty="0"/>
-              <a:t>1/10/2021</a:t>
+              <a:t>1/11/2021</a:t>
             </a:fld>
             <a:endParaRPr lang="en-US" dirty="0"/>
           </a:p>
@@ -10498,7 +10603,7 @@
             <a:fld id="{87DE6118-2437-4B30-8E3C-4D2BE6020583}" type="datetimeFigureOut">
               <a:rPr lang="en-US" dirty="0"/>
               <a:pPr/>
-              <a:t>1/10/2021</a:t>
+              <a:t>1/11/2021</a:t>
             </a:fld>
             <a:endParaRPr lang="en-US" dirty="0"/>
           </a:p>
@@ -10888,7 +10993,7 @@
           <a:p>
             <a:fld id="{87DE6118-2437-4B30-8E3C-4D2BE6020583}" type="datetimeFigureOut">
               <a:rPr lang="en-US" dirty="0"/>
-              <a:t>1/10/2021</a:t>
+              <a:t>1/11/2021</a:t>
             </a:fld>
             <a:endParaRPr lang="en-US" dirty="0"/>
           </a:p>
@@ -11360,7 +11465,7 @@
           <a:p>
             <a:fld id="{87DE6118-2437-4B30-8E3C-4D2BE6020583}" type="datetimeFigureOut">
               <a:rPr lang="en-US" dirty="0"/>
-              <a:t>1/10/2021</a:t>
+              <a:t>1/11/2021</a:t>
             </a:fld>
             <a:endParaRPr lang="en-US" dirty="0"/>
           </a:p>
@@ -11473,7 +11578,7 @@
           <a:p>
             <a:fld id="{87DE6118-2437-4B30-8E3C-4D2BE6020583}" type="datetimeFigureOut">
               <a:rPr lang="en-US" dirty="0"/>
-              <a:t>1/10/2021</a:t>
+              <a:t>1/11/2021</a:t>
             </a:fld>
             <a:endParaRPr lang="en-US" dirty="0"/>
           </a:p>
@@ -11563,7 +11668,7 @@
           <a:p>
             <a:fld id="{87DE6118-2437-4B30-8E3C-4D2BE6020583}" type="datetimeFigureOut">
               <a:rPr lang="en-US" dirty="0"/>
-              <a:t>1/10/2021</a:t>
+              <a:t>1/11/2021</a:t>
             </a:fld>
             <a:endParaRPr lang="en-US" dirty="0"/>
           </a:p>
@@ -11905,7 +12010,7 @@
             <a:fld id="{87DE6118-2437-4B30-8E3C-4D2BE6020583}" type="datetimeFigureOut">
               <a:rPr lang="en-US" dirty="0"/>
               <a:pPr/>
-              <a:t>1/10/2021</a:t>
+              <a:t>1/11/2021</a:t>
             </a:fld>
             <a:endParaRPr lang="en-US" dirty="0"/>
           </a:p>
@@ -12290,7 +12395,7 @@
             <a:fld id="{87DE6118-2437-4B30-8E3C-4D2BE6020583}" type="datetimeFigureOut">
               <a:rPr lang="en-US" dirty="0"/>
               <a:pPr/>
-              <a:t>1/10/2021</a:t>
+              <a:t>1/11/2021</a:t>
             </a:fld>
             <a:endParaRPr lang="en-US" dirty="0"/>
           </a:p>
@@ -12565,7 +12670,7 @@
             <a:fld id="{87DE6118-2437-4B30-8E3C-4D2BE6020583}" type="datetimeFigureOut">
               <a:rPr lang="en-US" dirty="0"/>
               <a:pPr/>
-              <a:t>1/10/2021</a:t>
+              <a:t>1/11/2021</a:t>
             </a:fld>
             <a:endParaRPr lang="en-US" dirty="0"/>
           </a:p>
@@ -13306,11 +13411,28 @@
               </a:spcAft>
             </a:pPr>
             <a:r>
+              <a:rPr lang="en-US" sz="1800" dirty="0" smtClean="0"/>
+              <a:t>Sentiment </a:t>
+            </a:r>
+            <a:r>
+              <a:rPr lang="en-US" sz="1800" b="0" dirty="0" smtClean="0">
+                <a:effectLst/>
+              </a:rPr>
+              <a:t>of </a:t>
+            </a:r>
+            <a:r>
               <a:rPr lang="en-US" sz="1800" b="0" dirty="0">
                 <a:effectLst/>
               </a:rPr>
-              <a:t> the sentiment of the article, and</a:t>
-            </a:r>
+              <a:t>the </a:t>
+            </a:r>
+            <a:r>
+              <a:rPr lang="en-US" sz="1800" dirty="0" smtClean="0"/>
+              <a:t>article headlines</a:t>
+            </a:r>
+            <a:endParaRPr lang="en-US" sz="1800" b="0" dirty="0">
+              <a:effectLst/>
+            </a:endParaRPr>
           </a:p>
           <a:p>
             <a:pPr>
@@ -13342,7 +13464,19 @@
               <a:rPr lang="en-US" sz="1800" b="0" dirty="0">
                 <a:effectLst/>
               </a:rPr>
-              <a:t>Building on our prior projects, we examine the sentiment of newspaper headlines and bigrams both newspaper headlines and full length articles. </a:t>
+              <a:t>Building on our prior projects, we examine the sentiment of newspaper headlines and </a:t>
+            </a:r>
+            <a:r>
+              <a:rPr lang="en-US" sz="1800" b="0" dirty="0" smtClean="0">
+                <a:effectLst/>
+              </a:rPr>
+              <a:t>bigrams of </a:t>
+            </a:r>
+            <a:r>
+              <a:rPr lang="en-US" sz="1800" b="0" dirty="0">
+                <a:effectLst/>
+              </a:rPr>
+              <a:t>both newspaper headlines and full length articles. </a:t>
             </a:r>
           </a:p>
         </p:txBody>
@@ -13623,15 +13757,22 @@
               <a:buChar char="•"/>
             </a:pPr>
             <a:r>
-              <a:rPr lang="en-US" b="0" i="0" dirty="0">
+              <a:rPr lang="en-US" b="0" i="0" dirty="0" err="1" smtClean="0">
                 <a:solidFill>
                   <a:srgbClr val="55595C"/>
                 </a:solidFill>
                 <a:effectLst/>
                 <a:latin typeface="Nunito Sans"/>
               </a:rPr>
-              <a:t>DataTables.js</a:t>
-            </a:r>
+              <a:t>DataTables</a:t>
+            </a:r>
+            <a:endParaRPr lang="en-US" b="0" i="0" dirty="0">
+              <a:solidFill>
+                <a:srgbClr val="55595C"/>
+              </a:solidFill>
+              <a:effectLst/>
+              <a:latin typeface="Nunito Sans"/>
+            </a:endParaRPr>
           </a:p>
           <a:p>
             <a:pPr marL="742950" lvl="1" indent="-285750" algn="l">
@@ -13639,15 +13780,22 @@
               <a:buChar char="•"/>
             </a:pPr>
             <a:r>
-              <a:rPr lang="en-US" b="0" i="0" dirty="0">
+              <a:rPr lang="en-US" b="0" i="0" dirty="0" smtClean="0">
                 <a:solidFill>
                   <a:srgbClr val="55595C"/>
                 </a:solidFill>
                 <a:effectLst/>
                 <a:latin typeface="Nunito Sans"/>
               </a:rPr>
-              <a:t>D3-cloud.js</a:t>
-            </a:r>
+              <a:t>D3-cloud</a:t>
+            </a:r>
+            <a:endParaRPr lang="en-US" b="0" i="0" dirty="0">
+              <a:solidFill>
+                <a:srgbClr val="55595C"/>
+              </a:solidFill>
+              <a:effectLst/>
+              <a:latin typeface="Nunito Sans"/>
+            </a:endParaRPr>
           </a:p>
           <a:p>
             <a:pPr marL="742950" lvl="1" indent="-285750" algn="l">
@@ -13655,15 +13803,22 @@
               <a:buChar char="•"/>
             </a:pPr>
             <a:r>
-              <a:rPr lang="en-US" b="0" i="0" dirty="0">
+              <a:rPr lang="en-US" b="0" i="0" dirty="0" smtClean="0">
                 <a:solidFill>
                   <a:srgbClr val="55595C"/>
                 </a:solidFill>
                 <a:effectLst/>
                 <a:latin typeface="Nunito Sans"/>
               </a:rPr>
-              <a:t>D3.js</a:t>
-            </a:r>
+              <a:t>D3</a:t>
+            </a:r>
+            <a:endParaRPr lang="en-US" b="0" i="0" dirty="0">
+              <a:solidFill>
+                <a:srgbClr val="55595C"/>
+              </a:solidFill>
+              <a:effectLst/>
+              <a:latin typeface="Nunito Sans"/>
+            </a:endParaRPr>
           </a:p>
           <a:p>
             <a:pPr marL="742950" lvl="1" indent="-285750" algn="l">
@@ -13671,15 +13826,22 @@
               <a:buChar char="•"/>
             </a:pPr>
             <a:r>
-              <a:rPr lang="en-US" b="0" i="0" dirty="0">
+              <a:rPr lang="en-US" b="0" i="0" dirty="0" err="1" smtClean="0">
                 <a:solidFill>
                   <a:srgbClr val="55595C"/>
                 </a:solidFill>
                 <a:effectLst/>
                 <a:latin typeface="Nunito Sans"/>
               </a:rPr>
-              <a:t>Plotly.js</a:t>
-            </a:r>
+              <a:t>Plotly</a:t>
+            </a:r>
+            <a:endParaRPr lang="en-US" b="0" i="0" dirty="0">
+              <a:solidFill>
+                <a:srgbClr val="55595C"/>
+              </a:solidFill>
+              <a:effectLst/>
+              <a:latin typeface="Nunito Sans"/>
+            </a:endParaRPr>
           </a:p>
           <a:p>
             <a:pPr algn="l"/>
@@ -13716,7 +13878,7 @@
               <a:buChar char="•"/>
             </a:pPr>
             <a:r>
-              <a:rPr lang="en-US" b="0" i="0" dirty="0" err="1">
+              <a:rPr lang="en-US" b="0" i="0" dirty="0" err="1" smtClean="0">
                 <a:solidFill>
                   <a:srgbClr val="55595C"/>
                 </a:solidFill>
@@ -13725,7 +13887,7 @@
               </a:rPr>
               <a:t>Bootswatch</a:t>
             </a:r>
-            <a:endParaRPr lang="en-US" b="0" i="0" dirty="0">
+            <a:endParaRPr lang="en-US" b="0" i="0" dirty="0" smtClean="0">
               <a:solidFill>
                 <a:srgbClr val="55595C"/>
               </a:solidFill>
@@ -13739,11 +13901,10 @@
               <a:buChar char="•"/>
             </a:pPr>
             <a:r>
-              <a:rPr lang="en-US" b="0" i="0" u="none" strike="noStrike" dirty="0">
+              <a:rPr lang="en-US" dirty="0" err="1" smtClean="0">
                 <a:solidFill>
-                  <a:srgbClr val="1A1A1A"/>
+                  <a:srgbClr val="55595C"/>
                 </a:solidFill>
-                <a:effectLst/>
                 <a:latin typeface="Nunito Sans"/>
               </a:rPr>
               <a:t>Colorgorical</a:t>
@@ -14048,9 +14209,17 @@
           <a:p>
             <a:pPr lvl="1"/>
             <a:r>
-              <a:rPr lang="en-US" dirty="0"/>
-              <a:t>Need to fill out</a:t>
-            </a:r>
+              <a:rPr lang="en-US" dirty="0" smtClean="0"/>
+              <a:t>Full text of articles is a lot of data</a:t>
+            </a:r>
+          </a:p>
+          <a:p>
+            <a:pPr lvl="1"/>
+            <a:r>
+              <a:rPr lang="en-US" dirty="0" smtClean="0"/>
+              <a:t>Optimization vs. dynamic updating</a:t>
+            </a:r>
+            <a:endParaRPr lang="en-US" dirty="0"/>
           </a:p>
           <a:p>
             <a:r>
@@ -14061,9 +14230,25 @@
           <a:p>
             <a:pPr lvl="1"/>
             <a:r>
-              <a:rPr lang="en-US" dirty="0"/>
-              <a:t>Need to fill out</a:t>
-            </a:r>
+              <a:rPr lang="en-US" dirty="0" smtClean="0"/>
+              <a:t>More accurate sentiment analysis</a:t>
+            </a:r>
+          </a:p>
+          <a:p>
+            <a:pPr lvl="1"/>
+            <a:r>
+              <a:rPr lang="en-US" dirty="0" smtClean="0"/>
+              <a:t>Named-entity recognition</a:t>
+            </a:r>
+            <a:endParaRPr lang="en-US" dirty="0" smtClean="0"/>
+          </a:p>
+          <a:p>
+            <a:pPr lvl="1"/>
+            <a:r>
+              <a:rPr lang="en-US" dirty="0" smtClean="0"/>
+              <a:t>Further exploration of full text of articles</a:t>
+            </a:r>
+            <a:endParaRPr lang="en-US" dirty="0"/>
           </a:p>
         </p:txBody>
       </p:sp>

--- a/Group_project2_deck.pptx
+++ b/Group_project2_deck.pptx
@@ -5,7 +5,7 @@
     <p:sldMasterId id="2147483648" r:id="rId1"/>
   </p:sldMasterIdLst>
   <p:notesMasterIdLst>
-    <p:notesMasterId r:id="rId10"/>
+    <p:notesMasterId r:id="rId11"/>
   </p:notesMasterIdLst>
   <p:sldIdLst>
     <p:sldId id="265" r:id="rId2"/>
@@ -13,9 +13,10 @@
     <p:sldId id="259" r:id="rId4"/>
     <p:sldId id="258" r:id="rId5"/>
     <p:sldId id="269" r:id="rId6"/>
-    <p:sldId id="264" r:id="rId7"/>
-    <p:sldId id="268" r:id="rId8"/>
-    <p:sldId id="263" r:id="rId9"/>
+    <p:sldId id="268" r:id="rId7"/>
+    <p:sldId id="263" r:id="rId8"/>
+    <p:sldId id="271" r:id="rId9"/>
+    <p:sldId id="270" r:id="rId10"/>
   </p:sldIdLst>
   <p:sldSz cx="12192000" cy="6858000"/>
   <p:notesSz cx="6858000" cy="9144000"/>
@@ -2383,13 +2384,6 @@
         </dgm:presLayoutVars>
       </dgm:prSet>
       <dgm:spPr/>
-      <dgm:t>
-        <a:bodyPr/>
-        <a:lstStyle/>
-        <a:p>
-          <a:endParaRPr lang="en-US"/>
-        </a:p>
-      </dgm:t>
     </dgm:pt>
     <dgm:pt modelId="{40F8DB0F-8A4F-48F6-B8FF-02EA328EA6E7}" type="pres">
       <dgm:prSet presAssocID="{50566C3F-72D8-4B9D-B172-562EE4AEA551}" presName="arrow" presStyleLbl="bgShp" presStyleIdx="0" presStyleCnt="1"/>
@@ -2427,13 +2421,6 @@
         </dgm:presLayoutVars>
       </dgm:prSet>
       <dgm:spPr/>
-      <dgm:t>
-        <a:bodyPr/>
-        <a:lstStyle/>
-        <a:p>
-          <a:endParaRPr lang="en-US"/>
-        </a:p>
-      </dgm:t>
     </dgm:pt>
     <dgm:pt modelId="{3EEA07EC-B9B3-412B-ADA6-144DBDFA38A6}" type="pres">
       <dgm:prSet presAssocID="{805B52CF-8124-4903-96AC-CDD12D94ECAE}" presName="sibTrans" presStyleCnt="0"/>
@@ -2446,13 +2433,6 @@
         </dgm:presLayoutVars>
       </dgm:prSet>
       <dgm:spPr/>
-      <dgm:t>
-        <a:bodyPr/>
-        <a:lstStyle/>
-        <a:p>
-          <a:endParaRPr lang="en-US"/>
-        </a:p>
-      </dgm:t>
     </dgm:pt>
     <dgm:pt modelId="{B3B794D4-0C0C-4E5A-B2F5-CBD4A9498ABB}" type="pres">
       <dgm:prSet presAssocID="{27D2B6A9-FFEB-4530-A7D6-932E5120090B}" presName="sibTrans" presStyleCnt="0"/>
@@ -2465,35 +2445,28 @@
         </dgm:presLayoutVars>
       </dgm:prSet>
       <dgm:spPr/>
-      <dgm:t>
-        <a:bodyPr/>
-        <a:lstStyle/>
-        <a:p>
-          <a:endParaRPr lang="en-US"/>
-        </a:p>
-      </dgm:t>
     </dgm:pt>
   </dgm:ptLst>
   <dgm:cxnLst>
+    <dgm:cxn modelId="{A92F6104-0861-40F9-A77F-A14F60919CE1}" srcId="{4677E005-F769-4A9D-91D0-4A0342C20D4E}" destId="{E0A1DD6A-FEB4-4EC2-AC2D-D67D26074C6E}" srcOrd="1" destOrd="0" parTransId="{078C20F8-997F-449F-AEE8-E7DB9471B662}" sibTransId="{C1B4AC7E-7354-437E-8B60-8EB8E31CF99E}"/>
+    <dgm:cxn modelId="{8740DB06-6AAB-43A3-A89B-C3718342AAC7}" type="presOf" srcId="{649843C5-9CA6-446A-9731-6DBB3333D83D}" destId="{A8767C69-185C-4B96-9F00-E550000B9C96}" srcOrd="0" destOrd="0" presId="urn:microsoft.com/office/officeart/2005/8/layout/hProcess9"/>
     <dgm:cxn modelId="{55138F1E-01D3-4CD6-A280-603342D50863}" type="presOf" srcId="{07127421-B1DB-4614-9309-B07B3DE38419}" destId="{A8767C69-185C-4B96-9F00-E550000B9C96}" srcOrd="0" destOrd="1" presId="urn:microsoft.com/office/officeart/2005/8/layout/hProcess9"/>
-    <dgm:cxn modelId="{DA85E77F-25C0-4B59-B057-B0D1C2FBECB9}" type="presOf" srcId="{50566C3F-72D8-4B9D-B172-562EE4AEA551}" destId="{5B5A6F85-06A4-4980-AA69-6E2BABE04015}" srcOrd="0" destOrd="0" presId="urn:microsoft.com/office/officeart/2005/8/layout/hProcess9"/>
+    <dgm:cxn modelId="{4A54AE33-0C66-49FC-99EB-FFDAC977245E}" srcId="{50566C3F-72D8-4B9D-B172-562EE4AEA551}" destId="{649843C5-9CA6-446A-9731-6DBB3333D83D}" srcOrd="2" destOrd="0" parTransId="{99AFE336-CE31-4DE5-9007-CE4436580697}" sibTransId="{85BA92F0-E471-482B-A0F0-634B9BD71D69}"/>
     <dgm:cxn modelId="{642ED434-1379-405B-8656-F68376D5B72E}" srcId="{50566C3F-72D8-4B9D-B172-562EE4AEA551}" destId="{4677E005-F769-4A9D-91D0-4A0342C20D4E}" srcOrd="0" destOrd="0" parTransId="{661547F2-BACD-4034-8B7B-94D7D0F7C8B7}" sibTransId="{805B52CF-8124-4903-96AC-CDD12D94ECAE}"/>
-    <dgm:cxn modelId="{86D2A0D5-A28D-48C1-BDE3-2233ECFAD03C}" type="presOf" srcId="{4677E005-F769-4A9D-91D0-4A0342C20D4E}" destId="{7E5B0976-430A-4222-BF6E-212E29A31958}" srcOrd="0" destOrd="0" presId="urn:microsoft.com/office/officeart/2005/8/layout/hProcess9"/>
-    <dgm:cxn modelId="{4A54AE33-0C66-49FC-99EB-FFDAC977245E}" srcId="{50566C3F-72D8-4B9D-B172-562EE4AEA551}" destId="{649843C5-9CA6-446A-9731-6DBB3333D83D}" srcOrd="2" destOrd="0" parTransId="{99AFE336-CE31-4DE5-9007-CE4436580697}" sibTransId="{85BA92F0-E471-482B-A0F0-634B9BD71D69}"/>
-    <dgm:cxn modelId="{F8CDDE9A-9261-4868-A9EA-BE26FD81A6B8}" type="presOf" srcId="{5EE58050-B517-41D0-AEA9-591C272A1314}" destId="{A8767C69-185C-4B96-9F00-E550000B9C96}" srcOrd="0" destOrd="2" presId="urn:microsoft.com/office/officeart/2005/8/layout/hProcess9"/>
-    <dgm:cxn modelId="{019A93FE-5102-4A2B-B8D2-CD97953C1E27}" type="presOf" srcId="{C9FC2216-03D6-4316-B115-CE4547F5AF62}" destId="{4FEA9211-38AC-414A-BC60-3561B720BFC4}" srcOrd="0" destOrd="2" presId="urn:microsoft.com/office/officeart/2005/8/layout/hProcess9"/>
-    <dgm:cxn modelId="{A3725179-D09A-4893-A2D2-36CDC20F9792}" srcId="{68E6159D-47D3-4DA7-850F-16C5A8B2557B}" destId="{C5EDC3FF-EA6E-471D-815B-CFA750C4F706}" srcOrd="0" destOrd="0" parTransId="{16B9CBD4-0F9A-4236-B0D3-5A0ECB85FB3B}" sibTransId="{344A6458-A44A-44EA-8474-4E8C98BF094E}"/>
-    <dgm:cxn modelId="{87A3A9E0-B465-4BF9-9F27-9F73232DD4FE}" type="presOf" srcId="{E0A1DD6A-FEB4-4EC2-AC2D-D67D26074C6E}" destId="{7E5B0976-430A-4222-BF6E-212E29A31958}" srcOrd="0" destOrd="2" presId="urn:microsoft.com/office/officeart/2005/8/layout/hProcess9"/>
-    <dgm:cxn modelId="{A92F6104-0861-40F9-A77F-A14F60919CE1}" srcId="{4677E005-F769-4A9D-91D0-4A0342C20D4E}" destId="{E0A1DD6A-FEB4-4EC2-AC2D-D67D26074C6E}" srcOrd="1" destOrd="0" parTransId="{078C20F8-997F-449F-AEE8-E7DB9471B662}" sibTransId="{C1B4AC7E-7354-437E-8B60-8EB8E31CF99E}"/>
     <dgm:cxn modelId="{655DB861-49DE-45FF-A33F-D1137C4FBC81}" srcId="{649843C5-9CA6-446A-9731-6DBB3333D83D}" destId="{5EE58050-B517-41D0-AEA9-591C272A1314}" srcOrd="1" destOrd="0" parTransId="{ED641DF8-5419-45E2-A9B0-D1BD363B1E0F}" sibTransId="{0C6F117D-963A-4A3D-858A-1AE457E575F2}"/>
+    <dgm:cxn modelId="{DA902746-AF7F-4137-88B4-402A8B3C47C2}" type="presOf" srcId="{68E6159D-47D3-4DA7-850F-16C5A8B2557B}" destId="{4FEA9211-38AC-414A-BC60-3561B720BFC4}" srcOrd="0" destOrd="0" presId="urn:microsoft.com/office/officeart/2005/8/layout/hProcess9"/>
     <dgm:cxn modelId="{D4BBF14E-27AE-4FF6-B245-19D5601F8936}" srcId="{649843C5-9CA6-446A-9731-6DBB3333D83D}" destId="{07127421-B1DB-4614-9309-B07B3DE38419}" srcOrd="0" destOrd="0" parTransId="{02276A56-DDD4-40F2-9278-131ADA994981}" sibTransId="{DEB7D60C-25CB-4E9E-B3CA-3212478EEE2C}"/>
     <dgm:cxn modelId="{EF82A94F-C753-4A75-9FEB-9785A4BBAEC6}" srcId="{4677E005-F769-4A9D-91D0-4A0342C20D4E}" destId="{67586C50-7147-4EBB-8399-1183C1E5EE38}" srcOrd="0" destOrd="0" parTransId="{2FA489F3-BEC8-4CF9-A658-2325CD28E622}" sibTransId="{C9AAE18C-356E-4C9D-A89F-81E06A010621}"/>
-    <dgm:cxn modelId="{DA902746-AF7F-4137-88B4-402A8B3C47C2}" type="presOf" srcId="{68E6159D-47D3-4DA7-850F-16C5A8B2557B}" destId="{4FEA9211-38AC-414A-BC60-3561B720BFC4}" srcOrd="0" destOrd="0" presId="urn:microsoft.com/office/officeart/2005/8/layout/hProcess9"/>
+    <dgm:cxn modelId="{A3725179-D09A-4893-A2D2-36CDC20F9792}" srcId="{68E6159D-47D3-4DA7-850F-16C5A8B2557B}" destId="{C5EDC3FF-EA6E-471D-815B-CFA750C4F706}" srcOrd="0" destOrd="0" parTransId="{16B9CBD4-0F9A-4236-B0D3-5A0ECB85FB3B}" sibTransId="{344A6458-A44A-44EA-8474-4E8C98BF094E}"/>
+    <dgm:cxn modelId="{DA85E77F-25C0-4B59-B057-B0D1C2FBECB9}" type="presOf" srcId="{50566C3F-72D8-4B9D-B172-562EE4AEA551}" destId="{5B5A6F85-06A4-4980-AA69-6E2BABE04015}" srcOrd="0" destOrd="0" presId="urn:microsoft.com/office/officeart/2005/8/layout/hProcess9"/>
+    <dgm:cxn modelId="{2E22BF80-8ED0-4761-8FA1-330D78DB88AB}" srcId="{68E6159D-47D3-4DA7-850F-16C5A8B2557B}" destId="{C9FC2216-03D6-4316-B115-CE4547F5AF62}" srcOrd="1" destOrd="0" parTransId="{A8357C69-6FE9-45BD-A53B-F02A3AE25AD7}" sibTransId="{992B276D-8F7E-4349-911E-A3D5AF6CBF8C}"/>
+    <dgm:cxn modelId="{F8CDDE9A-9261-4868-A9EA-BE26FD81A6B8}" type="presOf" srcId="{5EE58050-B517-41D0-AEA9-591C272A1314}" destId="{A8767C69-185C-4B96-9F00-E550000B9C96}" srcOrd="0" destOrd="2" presId="urn:microsoft.com/office/officeart/2005/8/layout/hProcess9"/>
+    <dgm:cxn modelId="{81D31EA0-1AB1-4529-B5DA-B4FE0AD1306D}" type="presOf" srcId="{C5EDC3FF-EA6E-471D-815B-CFA750C4F706}" destId="{4FEA9211-38AC-414A-BC60-3561B720BFC4}" srcOrd="0" destOrd="1" presId="urn:microsoft.com/office/officeart/2005/8/layout/hProcess9"/>
     <dgm:cxn modelId="{A98752BC-1347-4BAA-AB0E-1BACE661B5E0}" srcId="{50566C3F-72D8-4B9D-B172-562EE4AEA551}" destId="{68E6159D-47D3-4DA7-850F-16C5A8B2557B}" srcOrd="1" destOrd="0" parTransId="{69B705C9-B319-4298-9A66-C519206EB941}" sibTransId="{27D2B6A9-FFEB-4530-A7D6-932E5120090B}"/>
-    <dgm:cxn modelId="{2E22BF80-8ED0-4761-8FA1-330D78DB88AB}" srcId="{68E6159D-47D3-4DA7-850F-16C5A8B2557B}" destId="{C9FC2216-03D6-4316-B115-CE4547F5AF62}" srcOrd="1" destOrd="0" parTransId="{A8357C69-6FE9-45BD-A53B-F02A3AE25AD7}" sibTransId="{992B276D-8F7E-4349-911E-A3D5AF6CBF8C}"/>
     <dgm:cxn modelId="{4970FBC5-F441-4C6D-A262-9654943E5036}" type="presOf" srcId="{67586C50-7147-4EBB-8399-1183C1E5EE38}" destId="{7E5B0976-430A-4222-BF6E-212E29A31958}" srcOrd="0" destOrd="1" presId="urn:microsoft.com/office/officeart/2005/8/layout/hProcess9"/>
-    <dgm:cxn modelId="{8740DB06-6AAB-43A3-A89B-C3718342AAC7}" type="presOf" srcId="{649843C5-9CA6-446A-9731-6DBB3333D83D}" destId="{A8767C69-185C-4B96-9F00-E550000B9C96}" srcOrd="0" destOrd="0" presId="urn:microsoft.com/office/officeart/2005/8/layout/hProcess9"/>
-    <dgm:cxn modelId="{81D31EA0-1AB1-4529-B5DA-B4FE0AD1306D}" type="presOf" srcId="{C5EDC3FF-EA6E-471D-815B-CFA750C4F706}" destId="{4FEA9211-38AC-414A-BC60-3561B720BFC4}" srcOrd="0" destOrd="1" presId="urn:microsoft.com/office/officeart/2005/8/layout/hProcess9"/>
+    <dgm:cxn modelId="{86D2A0D5-A28D-48C1-BDE3-2233ECFAD03C}" type="presOf" srcId="{4677E005-F769-4A9D-91D0-4A0342C20D4E}" destId="{7E5B0976-430A-4222-BF6E-212E29A31958}" srcOrd="0" destOrd="0" presId="urn:microsoft.com/office/officeart/2005/8/layout/hProcess9"/>
+    <dgm:cxn modelId="{87A3A9E0-B465-4BF9-9F27-9F73232DD4FE}" type="presOf" srcId="{E0A1DD6A-FEB4-4EC2-AC2D-D67D26074C6E}" destId="{7E5B0976-430A-4222-BF6E-212E29A31958}" srcOrd="0" destOrd="2" presId="urn:microsoft.com/office/officeart/2005/8/layout/hProcess9"/>
+    <dgm:cxn modelId="{019A93FE-5102-4A2B-B8D2-CD97953C1E27}" type="presOf" srcId="{C9FC2216-03D6-4316-B115-CE4547F5AF62}" destId="{4FEA9211-38AC-414A-BC60-3561B720BFC4}" srcOrd="0" destOrd="2" presId="urn:microsoft.com/office/officeart/2005/8/layout/hProcess9"/>
     <dgm:cxn modelId="{5F064828-2353-4B82-AC16-ADE5D197750F}" type="presParOf" srcId="{5B5A6F85-06A4-4980-AA69-6E2BABE04015}" destId="{40F8DB0F-8A4F-48F6-B8FF-02EA328EA6E7}" srcOrd="0" destOrd="0" presId="urn:microsoft.com/office/officeart/2005/8/layout/hProcess9"/>
     <dgm:cxn modelId="{F8A0DC51-FDAE-4D32-8D71-AA0982B0A263}" type="presParOf" srcId="{5B5A6F85-06A4-4980-AA69-6E2BABE04015}" destId="{97CC1BF7-24DF-4DCA-9ECE-D4E8CEBB1507}" srcOrd="1" destOrd="0" presId="urn:microsoft.com/office/officeart/2005/8/layout/hProcess9"/>
     <dgm:cxn modelId="{0243F051-E7F4-4E3F-BE97-DF03219C372F}" type="presParOf" srcId="{97CC1BF7-24DF-4DCA-9ECE-D4E8CEBB1507}" destId="{7E5B0976-430A-4222-BF6E-212E29A31958}" srcOrd="0" destOrd="0" presId="urn:microsoft.com/office/officeart/2005/8/layout/hProcess9"/>
@@ -3126,13 +3099,6 @@
         </dgm:presLayoutVars>
       </dgm:prSet>
       <dgm:spPr/>
-      <dgm:t>
-        <a:bodyPr/>
-        <a:lstStyle/>
-        <a:p>
-          <a:endParaRPr lang="en-US"/>
-        </a:p>
-      </dgm:t>
     </dgm:pt>
     <dgm:pt modelId="{06BB7C01-9DF8-40B4-A58D-9ECD11BDC83F}" type="pres">
       <dgm:prSet presAssocID="{D67C4600-62E5-4084-84C0-FD2FB9AD0B6C}" presName="arc1" presStyleLbl="node1" presStyleIdx="0" presStyleCnt="4"/>
@@ -3217,13 +3183,6 @@
         </dgm:presLayoutVars>
       </dgm:prSet>
       <dgm:spPr/>
-      <dgm:t>
-        <a:bodyPr/>
-        <a:lstStyle/>
-        <a:p>
-          <a:endParaRPr lang="en-US"/>
-        </a:p>
-      </dgm:t>
     </dgm:pt>
     <dgm:pt modelId="{0518B534-DC62-4E17-85D9-AA657CEE396C}" type="pres">
       <dgm:prSet presAssocID="{D67C4600-62E5-4084-84C0-FD2FB9AD0B6C}" presName="arc2" presStyleLbl="node1" presStyleIdx="2" presStyleCnt="4"/>
@@ -3308,13 +3267,6 @@
         </dgm:presLayoutVars>
       </dgm:prSet>
       <dgm:spPr/>
-      <dgm:t>
-        <a:bodyPr/>
-        <a:lstStyle/>
-        <a:p>
-          <a:endParaRPr lang="en-US"/>
-        </a:p>
-      </dgm:t>
     </dgm:pt>
     <dgm:pt modelId="{D3789300-F881-4FDF-91F6-5DBD53B414A6}" type="pres">
       <dgm:prSet presAssocID="{D67C4600-62E5-4084-84C0-FD2FB9AD0B6C}" presName="middleComposite" presStyleCnt="0"/>
@@ -3323,13 +3275,6 @@
     <dgm:pt modelId="{847A7E92-B625-40C2-A963-87CF4AE3591E}" type="pres">
       <dgm:prSet presAssocID="{586AA99F-AB66-49AB-A326-73D6F1E88ADA}" presName="circ1" presStyleLbl="vennNode1" presStyleIdx="0" presStyleCnt="7"/>
       <dgm:spPr/>
-      <dgm:t>
-        <a:bodyPr/>
-        <a:lstStyle/>
-        <a:p>
-          <a:endParaRPr lang="en-US"/>
-        </a:p>
-      </dgm:t>
     </dgm:pt>
     <dgm:pt modelId="{7824FE74-F258-4BBB-840B-453268255048}" type="pres">
       <dgm:prSet presAssocID="{586AA99F-AB66-49AB-A326-73D6F1E88ADA}" presName="circ1Tx" presStyleLbl="revTx" presStyleIdx="1" presStyleCnt="3">
@@ -3339,24 +3284,10 @@
         </dgm:presLayoutVars>
       </dgm:prSet>
       <dgm:spPr/>
-      <dgm:t>
-        <a:bodyPr/>
-        <a:lstStyle/>
-        <a:p>
-          <a:endParaRPr lang="en-US"/>
-        </a:p>
-      </dgm:t>
     </dgm:pt>
     <dgm:pt modelId="{499C3869-671C-4F35-8193-25989D6868C4}" type="pres">
       <dgm:prSet presAssocID="{3162AD7F-CC80-4477-8BAA-A265E296BEB7}" presName="circ2" presStyleLbl="vennNode1" presStyleIdx="1" presStyleCnt="7"/>
       <dgm:spPr/>
-      <dgm:t>
-        <a:bodyPr/>
-        <a:lstStyle/>
-        <a:p>
-          <a:endParaRPr lang="en-US"/>
-        </a:p>
-      </dgm:t>
     </dgm:pt>
     <dgm:pt modelId="{D105F40B-E325-4309-B8FA-F314861C5770}" type="pres">
       <dgm:prSet presAssocID="{3162AD7F-CC80-4477-8BAA-A265E296BEB7}" presName="circ2Tx" presStyleLbl="revTx" presStyleIdx="1" presStyleCnt="3">
@@ -3366,13 +3297,6 @@
         </dgm:presLayoutVars>
       </dgm:prSet>
       <dgm:spPr/>
-      <dgm:t>
-        <a:bodyPr/>
-        <a:lstStyle/>
-        <a:p>
-          <a:endParaRPr lang="en-US"/>
-        </a:p>
-      </dgm:t>
     </dgm:pt>
     <dgm:pt modelId="{44AFB30A-1692-4D5A-8D97-4CF4A13D5FC1}" type="pres">
       <dgm:prSet presAssocID="{D67C4600-62E5-4084-84C0-FD2FB9AD0B6C}" presName="leftComposite" presStyleCnt="0"/>
@@ -3386,13 +3310,6 @@
         </dgm:presLayoutVars>
       </dgm:prSet>
       <dgm:spPr/>
-      <dgm:t>
-        <a:bodyPr/>
-        <a:lstStyle/>
-        <a:p>
-          <a:endParaRPr lang="en-US"/>
-        </a:p>
-      </dgm:t>
     </dgm:pt>
     <dgm:pt modelId="{FE4AA2AE-1E25-43B1-9B19-CFE51BE51A15}" type="pres">
       <dgm:prSet presAssocID="{C6AB1840-21EA-4229-A79D-F04AB66763BC}" presName="ellipse1" presStyleLbl="vennNode1" presStyleIdx="3" presStyleCnt="7"/>
@@ -3470,13 +3387,6 @@
         </dgm:presLayoutVars>
       </dgm:prSet>
       <dgm:spPr/>
-      <dgm:t>
-        <a:bodyPr/>
-        <a:lstStyle/>
-        <a:p>
-          <a:endParaRPr lang="en-US"/>
-        </a:p>
-      </dgm:t>
     </dgm:pt>
     <dgm:pt modelId="{867564D6-4CBC-4E74-868E-75914939A563}" type="pres">
       <dgm:prSet presAssocID="{E59C24D7-567B-4827-8028-D3040DBF7F21}" presName="ellipse3" presStyleLbl="vennNode1" presStyleIdx="6" presStyleCnt="7"/>
@@ -3520,13 +3430,6 @@
         </dgm:presLayoutVars>
       </dgm:prSet>
       <dgm:spPr/>
-      <dgm:t>
-        <a:bodyPr/>
-        <a:lstStyle/>
-        <a:p>
-          <a:endParaRPr lang="en-US"/>
-        </a:p>
-      </dgm:t>
     </dgm:pt>
     <dgm:pt modelId="{7F8286A3-6B65-4F08-B8CE-5A1952659120}" type="pres">
       <dgm:prSet presAssocID="{D67C4600-62E5-4084-84C0-FD2FB9AD0B6C}" presName="parentText1" presStyleLbl="revTx" presStyleIdx="2" presStyleCnt="3">
@@ -3537,35 +3440,28 @@
         </dgm:presLayoutVars>
       </dgm:prSet>
       <dgm:spPr/>
-      <dgm:t>
-        <a:bodyPr/>
-        <a:lstStyle/>
-        <a:p>
-          <a:endParaRPr lang="en-US"/>
-        </a:p>
-      </dgm:t>
     </dgm:pt>
   </dgm:ptLst>
   <dgm:cxnLst>
     <dgm:cxn modelId="{34D20401-5C10-413F-8A68-DE5E1857B6F8}" type="presOf" srcId="{C6AB1840-21EA-4229-A79D-F04AB66763BC}" destId="{BFBFC44E-8039-47C7-8EB4-2232798AF365}" srcOrd="0" destOrd="0" presId="urn:microsoft.com/office/officeart/2009/3/layout/PhasedProcess"/>
+    <dgm:cxn modelId="{BC029B1D-5069-4C69-9747-C8B4030D6DC6}" srcId="{D67C4600-62E5-4084-84C0-FD2FB9AD0B6C}" destId="{21E528D7-9A98-4B55-AFBC-B7D0BB13E3AA}" srcOrd="1" destOrd="0" parTransId="{7F9A6506-434A-4145-8EC8-A282B6C84DAE}" sibTransId="{258ED730-EF84-4E7B-B343-05670FD95BF3}"/>
+    <dgm:cxn modelId="{D1810721-E9BF-4762-B32D-DB480E4E22A0}" type="presOf" srcId="{E59C24D7-567B-4827-8028-D3040DBF7F21}" destId="{A1C36037-A659-47E1-9158-721142E95F2D}" srcOrd="0" destOrd="0" presId="urn:microsoft.com/office/officeart/2009/3/layout/PhasedProcess"/>
+    <dgm:cxn modelId="{1123A926-06A5-456C-8194-95F6665DC39A}" type="presOf" srcId="{586AA99F-AB66-49AB-A326-73D6F1E88ADA}" destId="{7824FE74-F258-4BBB-840B-453268255048}" srcOrd="1" destOrd="0" presId="urn:microsoft.com/office/officeart/2009/3/layout/PhasedProcess"/>
     <dgm:cxn modelId="{2A80272B-95AE-4E36-9924-69E372B62013}" type="presOf" srcId="{586AA99F-AB66-49AB-A326-73D6F1E88ADA}" destId="{847A7E92-B625-40C2-A963-87CF4AE3591E}" srcOrd="0" destOrd="0" presId="urn:microsoft.com/office/officeart/2009/3/layout/PhasedProcess"/>
+    <dgm:cxn modelId="{5D2B2A3B-7558-4AD1-A375-41B8C8A3CEA2}" type="presOf" srcId="{5921E58E-391F-4700-A092-5240F051CDEF}" destId="{7F8286A3-6B65-4F08-B8CE-5A1952659120}" srcOrd="0" destOrd="0" presId="urn:microsoft.com/office/officeart/2009/3/layout/PhasedProcess"/>
+    <dgm:cxn modelId="{3302A15B-98EA-47FC-A1DF-0FE95C6130D5}" type="presOf" srcId="{4F3A271F-7707-4DD7-8DD0-3950F4B8EDA4}" destId="{5A8BD94B-5744-4BCD-879D-246997A1BE67}" srcOrd="0" destOrd="0" presId="urn:microsoft.com/office/officeart/2009/3/layout/PhasedProcess"/>
+    <dgm:cxn modelId="{127E1448-A23A-4E39-B11C-423104D71F67}" srcId="{5921E58E-391F-4700-A092-5240F051CDEF}" destId="{E59C24D7-567B-4827-8028-D3040DBF7F21}" srcOrd="1" destOrd="0" parTransId="{A4F91B9E-4D2F-43C1-A361-A47D2BBB1254}" sibTransId="{DF3E3C4A-7EA7-43B0-B41B-521987379B88}"/>
+    <dgm:cxn modelId="{3346644E-3177-487E-A713-E75AE91085D5}" srcId="{5921E58E-391F-4700-A092-5240F051CDEF}" destId="{C6AB1840-21EA-4229-A79D-F04AB66763BC}" srcOrd="0" destOrd="0" parTransId="{66663020-3B42-4CAC-BCCC-F2702C9E88CF}" sibTransId="{71ECAE4B-0B35-4D91-B89F-EAE7C7CCC3FA}"/>
+    <dgm:cxn modelId="{3699285A-34E9-460E-8AEF-F0FB46133626}" srcId="{21E528D7-9A98-4B55-AFBC-B7D0BB13E3AA}" destId="{586AA99F-AB66-49AB-A326-73D6F1E88ADA}" srcOrd="0" destOrd="0" parTransId="{894CE11F-6836-4CF0-B275-9F11BCDF3975}" sibTransId="{5B91AFB7-9452-421C-898A-706A5C7DF4BB}"/>
+    <dgm:cxn modelId="{F49B3393-7A5E-441E-B462-1127D987FC2D}" srcId="{D67C4600-62E5-4084-84C0-FD2FB9AD0B6C}" destId="{A0ACE874-2F14-4B94-B78C-6E888302E845}" srcOrd="2" destOrd="0" parTransId="{1A7FA424-B4CD-45F9-9EA4-E7A734479AF2}" sibTransId="{5C224387-DB7D-4C8D-88DF-7ADAE9ED9AA1}"/>
+    <dgm:cxn modelId="{E9F5DAB0-2DD0-4531-ACD2-6B94F733E61A}" type="presOf" srcId="{21E528D7-9A98-4B55-AFBC-B7D0BB13E3AA}" destId="{B38C9642-7F80-48C2-9905-34576DDC7FEB}" srcOrd="0" destOrd="0" presId="urn:microsoft.com/office/officeart/2009/3/layout/PhasedProcess"/>
+    <dgm:cxn modelId="{0C83BBB3-C21D-45EA-B015-644F7364DFD7}" srcId="{D67C4600-62E5-4084-84C0-FD2FB9AD0B6C}" destId="{5921E58E-391F-4700-A092-5240F051CDEF}" srcOrd="0" destOrd="0" parTransId="{19CACE21-E2AC-4B78-A887-18D45365F2DF}" sibTransId="{BBDE1A54-469C-4750-8084-F46FA939CD20}"/>
+    <dgm:cxn modelId="{5749EAB6-AA64-4981-BDF8-9B3B019B06B9}" srcId="{21E528D7-9A98-4B55-AFBC-B7D0BB13E3AA}" destId="{3162AD7F-CC80-4477-8BAA-A265E296BEB7}" srcOrd="1" destOrd="0" parTransId="{2BC4BE57-447E-4240-9528-577B843D32CB}" sibTransId="{711941E0-9109-4AC0-8DD4-EF75215FF61E}"/>
+    <dgm:cxn modelId="{3392E6C5-D3A6-495D-A461-7F3C8A9056C5}" type="presOf" srcId="{3162AD7F-CC80-4477-8BAA-A265E296BEB7}" destId="{499C3869-671C-4F35-8193-25989D6868C4}" srcOrd="0" destOrd="0" presId="urn:microsoft.com/office/officeart/2009/3/layout/PhasedProcess"/>
+    <dgm:cxn modelId="{C5FF40E4-752E-4AA5-A084-7D419203E62D}" srcId="{A0ACE874-2F14-4B94-B78C-6E888302E845}" destId="{4F3A271F-7707-4DD7-8DD0-3950F4B8EDA4}" srcOrd="0" destOrd="0" parTransId="{7DA8B6DE-7FE4-4789-80EF-0D16B56BF8FC}" sibTransId="{6FE39593-4B74-41A4-823F-9FCAB96DF955}"/>
+    <dgm:cxn modelId="{E6245EE8-D483-4724-AF12-502062F1C5B6}" type="presOf" srcId="{D67C4600-62E5-4084-84C0-FD2FB9AD0B6C}" destId="{C31CC36F-4BBE-4ED0-8725-005D35483148}" srcOrd="0" destOrd="0" presId="urn:microsoft.com/office/officeart/2009/3/layout/PhasedProcess"/>
+    <dgm:cxn modelId="{7B5A5CEE-A4C2-4639-84D6-F30E1BEA8A9E}" type="presOf" srcId="{A0ACE874-2F14-4B94-B78C-6E888302E845}" destId="{D6A1863D-44C1-404B-8B32-4F6379312C2F}" srcOrd="0" destOrd="0" presId="urn:microsoft.com/office/officeart/2009/3/layout/PhasedProcess"/>
     <dgm:cxn modelId="{6284F3F5-A796-411E-94EB-6731318116EF}" type="presOf" srcId="{3162AD7F-CC80-4477-8BAA-A265E296BEB7}" destId="{D105F40B-E325-4309-B8FA-F314861C5770}" srcOrd="1" destOrd="0" presId="urn:microsoft.com/office/officeart/2009/3/layout/PhasedProcess"/>
-    <dgm:cxn modelId="{3392E6C5-D3A6-495D-A461-7F3C8A9056C5}" type="presOf" srcId="{3162AD7F-CC80-4477-8BAA-A265E296BEB7}" destId="{499C3869-671C-4F35-8193-25989D6868C4}" srcOrd="0" destOrd="0" presId="urn:microsoft.com/office/officeart/2009/3/layout/PhasedProcess"/>
-    <dgm:cxn modelId="{BC029B1D-5069-4C69-9747-C8B4030D6DC6}" srcId="{D67C4600-62E5-4084-84C0-FD2FB9AD0B6C}" destId="{21E528D7-9A98-4B55-AFBC-B7D0BB13E3AA}" srcOrd="1" destOrd="0" parTransId="{7F9A6506-434A-4145-8EC8-A282B6C84DAE}" sibTransId="{258ED730-EF84-4E7B-B343-05670FD95BF3}"/>
-    <dgm:cxn modelId="{C5FF40E4-752E-4AA5-A084-7D419203E62D}" srcId="{A0ACE874-2F14-4B94-B78C-6E888302E845}" destId="{4F3A271F-7707-4DD7-8DD0-3950F4B8EDA4}" srcOrd="0" destOrd="0" parTransId="{7DA8B6DE-7FE4-4789-80EF-0D16B56BF8FC}" sibTransId="{6FE39593-4B74-41A4-823F-9FCAB96DF955}"/>
-    <dgm:cxn modelId="{5D2B2A3B-7558-4AD1-A375-41B8C8A3CEA2}" type="presOf" srcId="{5921E58E-391F-4700-A092-5240F051CDEF}" destId="{7F8286A3-6B65-4F08-B8CE-5A1952659120}" srcOrd="0" destOrd="0" presId="urn:microsoft.com/office/officeart/2009/3/layout/PhasedProcess"/>
-    <dgm:cxn modelId="{7B5A5CEE-A4C2-4639-84D6-F30E1BEA8A9E}" type="presOf" srcId="{A0ACE874-2F14-4B94-B78C-6E888302E845}" destId="{D6A1863D-44C1-404B-8B32-4F6379312C2F}" srcOrd="0" destOrd="0" presId="urn:microsoft.com/office/officeart/2009/3/layout/PhasedProcess"/>
-    <dgm:cxn modelId="{5749EAB6-AA64-4981-BDF8-9B3B019B06B9}" srcId="{21E528D7-9A98-4B55-AFBC-B7D0BB13E3AA}" destId="{3162AD7F-CC80-4477-8BAA-A265E296BEB7}" srcOrd="1" destOrd="0" parTransId="{2BC4BE57-447E-4240-9528-577B843D32CB}" sibTransId="{711941E0-9109-4AC0-8DD4-EF75215FF61E}"/>
-    <dgm:cxn modelId="{1123A926-06A5-456C-8194-95F6665DC39A}" type="presOf" srcId="{586AA99F-AB66-49AB-A326-73D6F1E88ADA}" destId="{7824FE74-F258-4BBB-840B-453268255048}" srcOrd="1" destOrd="0" presId="urn:microsoft.com/office/officeart/2009/3/layout/PhasedProcess"/>
-    <dgm:cxn modelId="{0C83BBB3-C21D-45EA-B015-644F7364DFD7}" srcId="{D67C4600-62E5-4084-84C0-FD2FB9AD0B6C}" destId="{5921E58E-391F-4700-A092-5240F051CDEF}" srcOrd="0" destOrd="0" parTransId="{19CACE21-E2AC-4B78-A887-18D45365F2DF}" sibTransId="{BBDE1A54-469C-4750-8084-F46FA939CD20}"/>
-    <dgm:cxn modelId="{F49B3393-7A5E-441E-B462-1127D987FC2D}" srcId="{D67C4600-62E5-4084-84C0-FD2FB9AD0B6C}" destId="{A0ACE874-2F14-4B94-B78C-6E888302E845}" srcOrd="2" destOrd="0" parTransId="{1A7FA424-B4CD-45F9-9EA4-E7A734479AF2}" sibTransId="{5C224387-DB7D-4C8D-88DF-7ADAE9ED9AA1}"/>
-    <dgm:cxn modelId="{E6245EE8-D483-4724-AF12-502062F1C5B6}" type="presOf" srcId="{D67C4600-62E5-4084-84C0-FD2FB9AD0B6C}" destId="{C31CC36F-4BBE-4ED0-8725-005D35483148}" srcOrd="0" destOrd="0" presId="urn:microsoft.com/office/officeart/2009/3/layout/PhasedProcess"/>
-    <dgm:cxn modelId="{D1810721-E9BF-4762-B32D-DB480E4E22A0}" type="presOf" srcId="{E59C24D7-567B-4827-8028-D3040DBF7F21}" destId="{A1C36037-A659-47E1-9158-721142E95F2D}" srcOrd="0" destOrd="0" presId="urn:microsoft.com/office/officeart/2009/3/layout/PhasedProcess"/>
-    <dgm:cxn modelId="{E9F5DAB0-2DD0-4531-ACD2-6B94F733E61A}" type="presOf" srcId="{21E528D7-9A98-4B55-AFBC-B7D0BB13E3AA}" destId="{B38C9642-7F80-48C2-9905-34576DDC7FEB}" srcOrd="0" destOrd="0" presId="urn:microsoft.com/office/officeart/2009/3/layout/PhasedProcess"/>
-    <dgm:cxn modelId="{127E1448-A23A-4E39-B11C-423104D71F67}" srcId="{5921E58E-391F-4700-A092-5240F051CDEF}" destId="{E59C24D7-567B-4827-8028-D3040DBF7F21}" srcOrd="1" destOrd="0" parTransId="{A4F91B9E-4D2F-43C1-A361-A47D2BBB1254}" sibTransId="{DF3E3C4A-7EA7-43B0-B41B-521987379B88}"/>
-    <dgm:cxn modelId="{3302A15B-98EA-47FC-A1DF-0FE95C6130D5}" type="presOf" srcId="{4F3A271F-7707-4DD7-8DD0-3950F4B8EDA4}" destId="{5A8BD94B-5744-4BCD-879D-246997A1BE67}" srcOrd="0" destOrd="0" presId="urn:microsoft.com/office/officeart/2009/3/layout/PhasedProcess"/>
-    <dgm:cxn modelId="{3699285A-34E9-460E-8AEF-F0FB46133626}" srcId="{21E528D7-9A98-4B55-AFBC-B7D0BB13E3AA}" destId="{586AA99F-AB66-49AB-A326-73D6F1E88ADA}" srcOrd="0" destOrd="0" parTransId="{894CE11F-6836-4CF0-B275-9F11BCDF3975}" sibTransId="{5B91AFB7-9452-421C-898A-706A5C7DF4BB}"/>
-    <dgm:cxn modelId="{3346644E-3177-487E-A713-E75AE91085D5}" srcId="{5921E58E-391F-4700-A092-5240F051CDEF}" destId="{C6AB1840-21EA-4229-A79D-F04AB66763BC}" srcOrd="0" destOrd="0" parTransId="{66663020-3B42-4CAC-BCCC-F2702C9E88CF}" sibTransId="{71ECAE4B-0B35-4D91-B89F-EAE7C7CCC3FA}"/>
     <dgm:cxn modelId="{2FD13A22-422D-4D17-9657-D8F1B07A4176}" type="presParOf" srcId="{C31CC36F-4BBE-4ED0-8725-005D35483148}" destId="{06BB7C01-9DF8-40B4-A58D-9ECD11BDC83F}" srcOrd="0" destOrd="0" presId="urn:microsoft.com/office/officeart/2009/3/layout/PhasedProcess"/>
     <dgm:cxn modelId="{2C126DC2-C533-44E8-861F-0CD3C78AE045}" type="presParOf" srcId="{C31CC36F-4BBE-4ED0-8725-005D35483148}" destId="{26B73948-FDF9-43F7-9904-372FD2B3961A}" srcOrd="1" destOrd="0" presId="urn:microsoft.com/office/officeart/2009/3/layout/PhasedProcess"/>
     <dgm:cxn modelId="{E14D4EAE-DC0D-4803-AF2B-474FB72D266D}" type="presParOf" srcId="{C31CC36F-4BBE-4ED0-8725-005D35483148}" destId="{B38C9642-7F80-48C2-9905-34576DDC7FEB}" srcOrd="2" destOrd="0" presId="urn:microsoft.com/office/officeart/2009/3/layout/PhasedProcess"/>
@@ -3699,7 +3595,7 @@
         </a:bodyPr>
         <a:lstStyle/>
         <a:p>
-          <a:pPr lvl="0" algn="l" defTabSz="1066800">
+          <a:pPr marL="0" lvl="0" indent="0" algn="l" defTabSz="1066800">
             <a:lnSpc>
               <a:spcPct val="90000"/>
             </a:lnSpc>
@@ -3734,7 +3630,7 @@
             <a:spcAft>
               <a:spcPct val="15000"/>
             </a:spcAft>
-            <a:buChar char="••"/>
+            <a:buChar char="•"/>
           </a:pPr>
           <a:r>
             <a:rPr lang="en-US" sz="1900" kern="1200" dirty="0">
@@ -3759,7 +3655,7 @@
             <a:spcAft>
               <a:spcPct val="15000"/>
             </a:spcAft>
-            <a:buChar char="••"/>
+            <a:buChar char="•"/>
           </a:pPr>
           <a:r>
             <a:rPr lang="en-US" sz="1900" kern="1200" dirty="0">
@@ -3834,7 +3730,7 @@
         </a:bodyPr>
         <a:lstStyle/>
         <a:p>
-          <a:pPr lvl="0" algn="l" defTabSz="1066800">
+          <a:pPr marL="0" lvl="0" indent="0" algn="l" defTabSz="1066800">
             <a:lnSpc>
               <a:spcPct val="90000"/>
             </a:lnSpc>
@@ -3869,7 +3765,7 @@
             <a:spcAft>
               <a:spcPct val="15000"/>
             </a:spcAft>
-            <a:buChar char="••"/>
+            <a:buChar char="•"/>
           </a:pPr>
           <a:r>
             <a:rPr lang="en-US" sz="1900" kern="1200" dirty="0">
@@ -3894,7 +3790,7 @@
             <a:spcAft>
               <a:spcPct val="15000"/>
             </a:spcAft>
-            <a:buChar char="••"/>
+            <a:buChar char="•"/>
           </a:pPr>
           <a:r>
             <a:rPr lang="en-US" sz="1900" kern="1200" dirty="0">
@@ -3969,7 +3865,7 @@
         </a:bodyPr>
         <a:lstStyle/>
         <a:p>
-          <a:pPr lvl="0" algn="l" defTabSz="1066800">
+          <a:pPr marL="0" lvl="0" indent="0" algn="l" defTabSz="1066800">
             <a:lnSpc>
               <a:spcPct val="90000"/>
             </a:lnSpc>
@@ -4004,7 +3900,7 @@
             <a:spcAft>
               <a:spcPct val="15000"/>
             </a:spcAft>
-            <a:buChar char="••"/>
+            <a:buChar char="•"/>
           </a:pPr>
           <a:r>
             <a:rPr lang="en-US" sz="1900" kern="1200" dirty="0">
@@ -4029,7 +3925,7 @@
             <a:spcAft>
               <a:spcPct val="15000"/>
             </a:spcAft>
-            <a:buChar char="••"/>
+            <a:buChar char="•"/>
           </a:pPr>
           <a:r>
             <a:rPr lang="en-US" sz="1900" kern="1200" dirty="0">
@@ -4206,7 +4102,7 @@
         </a:bodyPr>
         <a:lstStyle/>
         <a:p>
-          <a:pPr lvl="0" algn="ctr" defTabSz="1422400">
+          <a:pPr marL="0" lvl="0" indent="0" algn="ctr" defTabSz="1422400">
             <a:lnSpc>
               <a:spcPct val="90000"/>
             </a:lnSpc>
@@ -4386,7 +4282,7 @@
         </a:bodyPr>
         <a:lstStyle/>
         <a:p>
-          <a:pPr lvl="0" algn="ctr" defTabSz="1422400">
+          <a:pPr marL="0" lvl="0" indent="0" algn="ctr" defTabSz="1422400">
             <a:lnSpc>
               <a:spcPct val="90000"/>
             </a:lnSpc>
@@ -4477,7 +4373,7 @@
         </a:bodyPr>
         <a:lstStyle/>
         <a:p>
-          <a:pPr lvl="0" algn="ctr" defTabSz="488950">
+          <a:pPr marL="0" lvl="0" indent="0" algn="ctr" defTabSz="488950">
             <a:lnSpc>
               <a:spcPct val="90000"/>
             </a:lnSpc>
@@ -4568,7 +4464,7 @@
         </a:bodyPr>
         <a:lstStyle/>
         <a:p>
-          <a:pPr lvl="0" algn="ctr" defTabSz="488950">
+          <a:pPr marL="0" lvl="0" indent="0" algn="ctr" defTabSz="488950">
             <a:lnSpc>
               <a:spcPct val="90000"/>
             </a:lnSpc>
@@ -4659,7 +4555,7 @@
         </a:bodyPr>
         <a:lstStyle/>
         <a:p>
-          <a:pPr lvl="0" algn="ctr" defTabSz="577850">
+          <a:pPr marL="0" lvl="0" indent="0" algn="ctr" defTabSz="577850">
             <a:lnSpc>
               <a:spcPct val="90000"/>
             </a:lnSpc>
@@ -4847,7 +4743,7 @@
         </a:bodyPr>
         <a:lstStyle/>
         <a:p>
-          <a:pPr lvl="0" algn="ctr" defTabSz="577850">
+          <a:pPr marL="0" lvl="0" indent="0" algn="ctr" defTabSz="577850">
             <a:lnSpc>
               <a:spcPct val="90000"/>
             </a:lnSpc>
@@ -4991,7 +4887,7 @@
         </a:bodyPr>
         <a:lstStyle/>
         <a:p>
-          <a:pPr lvl="0" algn="ctr" defTabSz="1022350">
+          <a:pPr marL="0" lvl="0" indent="0" algn="ctr" defTabSz="1022350">
             <a:lnSpc>
               <a:spcPct val="90000"/>
             </a:lnSpc>
@@ -5058,7 +4954,7 @@
         </a:bodyPr>
         <a:lstStyle/>
         <a:p>
-          <a:pPr lvl="0" algn="ctr" defTabSz="1422400">
+          <a:pPr marL="0" lvl="0" indent="0" algn="ctr" defTabSz="1422400">
             <a:lnSpc>
               <a:spcPct val="90000"/>
             </a:lnSpc>
@@ -9287,125 +9183,6 @@
 </p:notes>
 </file>
 
-<file path=ppt/notesSlides/notesSlide3.xml><?xml version="1.0" encoding="utf-8"?>
-<p:notes xmlns:a="http://schemas.openxmlformats.org/drawingml/2006/main" xmlns:r="http://schemas.openxmlformats.org/officeDocument/2006/relationships" xmlns:p="http://schemas.openxmlformats.org/presentationml/2006/main">
-  <p:cSld>
-    <p:spTree>
-      <p:nvGrpSpPr>
-        <p:cNvPr id="1" name=""/>
-        <p:cNvGrpSpPr/>
-        <p:nvPr/>
-      </p:nvGrpSpPr>
-      <p:grpSpPr>
-        <a:xfrm>
-          <a:off x="0" y="0"/>
-          <a:ext cx="0" cy="0"/>
-          <a:chOff x="0" y="0"/>
-          <a:chExt cx="0" cy="0"/>
-        </a:xfrm>
-      </p:grpSpPr>
-      <p:sp>
-        <p:nvSpPr>
-          <p:cNvPr id="2" name="Slide Image Placeholder 1"/>
-          <p:cNvSpPr>
-            <a:spLocks noGrp="1" noRot="1" noChangeAspect="1"/>
-          </p:cNvSpPr>
-          <p:nvPr>
-            <p:ph type="sldImg"/>
-          </p:nvPr>
-        </p:nvSpPr>
-        <p:spPr/>
-      </p:sp>
-      <p:sp>
-        <p:nvSpPr>
-          <p:cNvPr id="3" name="Notes Placeholder 2"/>
-          <p:cNvSpPr>
-            <a:spLocks noGrp="1"/>
-          </p:cNvSpPr>
-          <p:nvPr>
-            <p:ph type="body" idx="1"/>
-          </p:nvPr>
-        </p:nvSpPr>
-        <p:spPr/>
-        <p:txBody>
-          <a:bodyPr/>
-          <a:lstStyle/>
-          <a:p>
-            <a:r>
-              <a:rPr lang="en-US" dirty="0"/>
-              <a:t>Challenges</a:t>
-            </a:r>
-          </a:p>
-          <a:p>
-            <a:pPr lvl="1"/>
-            <a:r>
-              <a:rPr lang="en-US" dirty="0"/>
-              <a:t>Sentiment scoring is not customized – NLTK Vader was trained on social media</a:t>
-            </a:r>
-          </a:p>
-          <a:p>
-            <a:pPr lvl="1"/>
-            <a:r>
-              <a:rPr lang="en-US" dirty="0" err="1"/>
-              <a:t>NewsAPI</a:t>
-            </a:r>
-            <a:r>
-              <a:rPr lang="en-US" dirty="0"/>
-              <a:t> limits access to sources- data, first page of results, </a:t>
-            </a:r>
-            <a:r>
-              <a:rPr lang="en-US" dirty="0" err="1"/>
-              <a:t>etc</a:t>
-            </a:r>
-            <a:endParaRPr lang="en-US" dirty="0"/>
-          </a:p>
-          <a:p>
-            <a:r>
-              <a:rPr lang="en-US" dirty="0"/>
-              <a:t>Use the political bias data in future analysis </a:t>
-            </a:r>
-          </a:p>
-          <a:p>
-            <a:endParaRPr lang="en-US" dirty="0"/>
-          </a:p>
-        </p:txBody>
-      </p:sp>
-      <p:sp>
-        <p:nvSpPr>
-          <p:cNvPr id="4" name="Slide Number Placeholder 3"/>
-          <p:cNvSpPr>
-            <a:spLocks noGrp="1"/>
-          </p:cNvSpPr>
-          <p:nvPr>
-            <p:ph type="sldNum" sz="quarter" idx="5"/>
-          </p:nvPr>
-        </p:nvSpPr>
-        <p:spPr/>
-        <p:txBody>
-          <a:bodyPr/>
-          <a:lstStyle/>
-          <a:p>
-            <a:fld id="{1F88B8BE-972A-4AD0-BD0D-E769440C7A47}" type="slidenum">
-              <a:rPr lang="en-US" smtClean="0"/>
-              <a:t>6</a:t>
-            </a:fld>
-            <a:endParaRPr lang="en-US"/>
-          </a:p>
-        </p:txBody>
-      </p:sp>
-    </p:spTree>
-    <p:extLst>
-      <p:ext uri="{BB962C8B-B14F-4D97-AF65-F5344CB8AC3E}">
-        <p14:creationId xmlns:p14="http://schemas.microsoft.com/office/powerpoint/2010/main" val="858953395"/>
-      </p:ext>
-    </p:extLst>
-  </p:cSld>
-  <p:clrMapOvr>
-    <a:masterClrMapping/>
-  </p:clrMapOvr>
-</p:notes>
-</file>
-
 <file path=ppt/slideLayouts/slideLayout1.xml><?xml version="1.0" encoding="utf-8"?>
 <p:sldLayout xmlns:a="http://schemas.openxmlformats.org/drawingml/2006/main" xmlns:r="http://schemas.openxmlformats.org/officeDocument/2006/relationships" xmlns:p="http://schemas.openxmlformats.org/presentationml/2006/main" showMasterSp="0" type="title" preserve="1">
   <p:cSld name="Title Slide">
@@ -13196,12 +12973,12 @@
         </p:nvSpPr>
         <p:spPr/>
         <p:txBody>
-          <a:bodyPr/>
+          <a:bodyPr anchor="ctr"/>
           <a:lstStyle/>
           <a:p>
             <a:r>
               <a:rPr lang="en-US" sz="6000" dirty="0"/>
-              <a:t>Does tone really get lost in text?</a:t>
+              <a:t>=sum(antics)</a:t>
             </a:r>
           </a:p>
         </p:txBody>
@@ -13411,23 +13188,17 @@
               </a:spcAft>
             </a:pPr>
             <a:r>
-              <a:rPr lang="en-US" sz="1800" dirty="0" smtClean="0"/>
+              <a:rPr lang="en-US" sz="1800" dirty="0"/>
               <a:t>Sentiment </a:t>
-            </a:r>
-            <a:r>
-              <a:rPr lang="en-US" sz="1800" b="0" dirty="0" smtClean="0">
-                <a:effectLst/>
-              </a:rPr>
-              <a:t>of </a:t>
             </a:r>
             <a:r>
               <a:rPr lang="en-US" sz="1800" b="0" dirty="0">
                 <a:effectLst/>
               </a:rPr>
-              <a:t>the </a:t>
-            </a:r>
-            <a:r>
-              <a:rPr lang="en-US" sz="1800" dirty="0" smtClean="0"/>
+              <a:t>of the </a:t>
+            </a:r>
+            <a:r>
+              <a:rPr lang="en-US" sz="1800" dirty="0"/>
               <a:t>article headlines</a:t>
             </a:r>
             <a:endParaRPr lang="en-US" sz="1800" b="0" dirty="0">
@@ -13464,19 +13235,7 @@
               <a:rPr lang="en-US" sz="1800" b="0" dirty="0">
                 <a:effectLst/>
               </a:rPr>
-              <a:t>Building on our prior projects, we examine the sentiment of newspaper headlines and </a:t>
-            </a:r>
-            <a:r>
-              <a:rPr lang="en-US" sz="1800" b="0" dirty="0" smtClean="0">
-                <a:effectLst/>
-              </a:rPr>
-              <a:t>bigrams of </a:t>
-            </a:r>
-            <a:r>
-              <a:rPr lang="en-US" sz="1800" b="0" dirty="0">
-                <a:effectLst/>
-              </a:rPr>
-              <a:t>both newspaper headlines and full length articles. </a:t>
+              <a:t>Building on our prior projects, we examine the sentiment of newspaper headlines and bigrams of both newspaper headlines and full length articles. </a:t>
             </a:r>
           </a:p>
         </p:txBody>
@@ -13757,7 +13516,7 @@
               <a:buChar char="•"/>
             </a:pPr>
             <a:r>
-              <a:rPr lang="en-US" b="0" i="0" dirty="0" err="1" smtClean="0">
+              <a:rPr lang="en-US" b="0" i="0" dirty="0" err="1">
                 <a:solidFill>
                   <a:srgbClr val="55595C"/>
                 </a:solidFill>
@@ -13780,7 +13539,7 @@
               <a:buChar char="•"/>
             </a:pPr>
             <a:r>
-              <a:rPr lang="en-US" b="0" i="0" dirty="0" smtClean="0">
+              <a:rPr lang="en-US" b="0" i="0" dirty="0">
                 <a:solidFill>
                   <a:srgbClr val="55595C"/>
                 </a:solidFill>
@@ -13789,13 +13548,6 @@
               </a:rPr>
               <a:t>D3-cloud</a:t>
             </a:r>
-            <a:endParaRPr lang="en-US" b="0" i="0" dirty="0">
-              <a:solidFill>
-                <a:srgbClr val="55595C"/>
-              </a:solidFill>
-              <a:effectLst/>
-              <a:latin typeface="Nunito Sans"/>
-            </a:endParaRPr>
           </a:p>
           <a:p>
             <a:pPr marL="742950" lvl="1" indent="-285750" algn="l">
@@ -13803,7 +13555,7 @@
               <a:buChar char="•"/>
             </a:pPr>
             <a:r>
-              <a:rPr lang="en-US" b="0" i="0" dirty="0" smtClean="0">
+              <a:rPr lang="en-US" b="0" i="0" dirty="0">
                 <a:solidFill>
                   <a:srgbClr val="55595C"/>
                 </a:solidFill>
@@ -13812,13 +13564,6 @@
               </a:rPr>
               <a:t>D3</a:t>
             </a:r>
-            <a:endParaRPr lang="en-US" b="0" i="0" dirty="0">
-              <a:solidFill>
-                <a:srgbClr val="55595C"/>
-              </a:solidFill>
-              <a:effectLst/>
-              <a:latin typeface="Nunito Sans"/>
-            </a:endParaRPr>
           </a:p>
           <a:p>
             <a:pPr marL="742950" lvl="1" indent="-285750" algn="l">
@@ -13826,7 +13571,7 @@
               <a:buChar char="•"/>
             </a:pPr>
             <a:r>
-              <a:rPr lang="en-US" b="0" i="0" dirty="0" err="1" smtClean="0">
+              <a:rPr lang="en-US" b="0" i="0" dirty="0" err="1">
                 <a:solidFill>
                   <a:srgbClr val="55595C"/>
                 </a:solidFill>
@@ -13878,7 +13623,7 @@
               <a:buChar char="•"/>
             </a:pPr>
             <a:r>
-              <a:rPr lang="en-US" b="0" i="0" dirty="0" err="1" smtClean="0">
+              <a:rPr lang="en-US" b="0" i="0" dirty="0" err="1">
                 <a:solidFill>
                   <a:srgbClr val="55595C"/>
                 </a:solidFill>
@@ -13887,7 +13632,7 @@
               </a:rPr>
               <a:t>Bootswatch</a:t>
             </a:r>
-            <a:endParaRPr lang="en-US" b="0" i="0" dirty="0" smtClean="0">
+            <a:endParaRPr lang="en-US" b="0" i="0" dirty="0">
               <a:solidFill>
                 <a:srgbClr val="55595C"/>
               </a:solidFill>
@@ -13901,7 +13646,7 @@
               <a:buChar char="•"/>
             </a:pPr>
             <a:r>
-              <a:rPr lang="en-US" dirty="0" err="1" smtClean="0">
+              <a:rPr lang="en-US" dirty="0" err="1">
                 <a:solidFill>
                   <a:srgbClr val="55595C"/>
                 </a:solidFill>
@@ -14060,53 +13805,307 @@
           <a:p>
             <a:r>
               <a:rPr lang="en-US" dirty="0"/>
-              <a:t>Insights</a:t>
+              <a:t>Insights and Key Takeaways</a:t>
             </a:r>
           </a:p>
         </p:txBody>
       </p:sp>
       <p:sp>
         <p:nvSpPr>
-          <p:cNvPr id="3" name="Content Placeholder 2">
+          <p:cNvPr id="6" name="Content Placeholder 2">
             <a:extLst>
               <a:ext uri="{FF2B5EF4-FFF2-40B4-BE49-F238E27FC236}">
-                <a16:creationId xmlns:a16="http://schemas.microsoft.com/office/drawing/2014/main" id="{3BA83700-83F8-400A-B3AB-E35C50EA6D77}"/>
+                <a16:creationId xmlns:a16="http://schemas.microsoft.com/office/drawing/2014/main" id="{2FA35859-ED81-4915-BDDB-87F626CF1D32}"/>
               </a:ext>
             </a:extLst>
           </p:cNvPr>
-          <p:cNvSpPr>
-            <a:spLocks noGrp="1"/>
+          <p:cNvSpPr txBox="1">
+            <a:spLocks/>
           </p:cNvSpPr>
-          <p:nvPr>
-            <p:ph idx="1"/>
-          </p:nvPr>
+          <p:nvPr/>
         </p:nvSpPr>
-        <p:spPr/>
+        <p:spPr>
+          <a:xfrm>
+            <a:off x="7757886" y="2512786"/>
+            <a:ext cx="4724400" cy="1609271"/>
+          </a:xfrm>
+          <a:prstGeom prst="rect">
+            <a:avLst/>
+          </a:prstGeom>
+        </p:spPr>
         <p:txBody>
-          <a:bodyPr/>
-          <a:lstStyle/>
+          <a:bodyPr vert="horz" lIns="91440" tIns="45720" rIns="91440" bIns="45720" rtlCol="0">
+            <a:normAutofit/>
+          </a:bodyPr>
+          <a:lstStyle>
+            <a:lvl1pPr marL="384048" indent="-384048" algn="l" defTabSz="914400" rtl="0" eaLnBrk="1" latinLnBrk="0" hangingPunct="1">
+              <a:lnSpc>
+                <a:spcPct val="94000"/>
+              </a:lnSpc>
+              <a:spcBef>
+                <a:spcPts val="1000"/>
+              </a:spcBef>
+              <a:spcAft>
+                <a:spcPts val="200"/>
+              </a:spcAft>
+              <a:buFont typeface="Franklin Gothic Book" panose="020B0503020102020204" pitchFamily="34" charset="0"/>
+              <a:buChar char="■"/>
+              <a:defRPr sz="2000" kern="1200" baseline="0">
+                <a:solidFill>
+                  <a:schemeClr val="tx2"/>
+                </a:solidFill>
+                <a:latin typeface="+mn-lt"/>
+                <a:ea typeface="+mn-ea"/>
+                <a:cs typeface="+mn-cs"/>
+              </a:defRPr>
+            </a:lvl1pPr>
+            <a:lvl2pPr marL="914400" indent="-384048" algn="l" defTabSz="914400" rtl="0" eaLnBrk="1" latinLnBrk="0" hangingPunct="1">
+              <a:lnSpc>
+                <a:spcPct val="94000"/>
+              </a:lnSpc>
+              <a:spcBef>
+                <a:spcPts val="500"/>
+              </a:spcBef>
+              <a:spcAft>
+                <a:spcPts val="200"/>
+              </a:spcAft>
+              <a:buFont typeface="Franklin Gothic Book" panose="020B0503020102020204" pitchFamily="34" charset="0"/>
+              <a:buChar char="–"/>
+              <a:defRPr sz="2000" i="1" kern="1200" baseline="0">
+                <a:solidFill>
+                  <a:schemeClr val="tx2"/>
+                </a:solidFill>
+                <a:latin typeface="+mn-lt"/>
+                <a:ea typeface="+mn-ea"/>
+                <a:cs typeface="+mn-cs"/>
+              </a:defRPr>
+            </a:lvl2pPr>
+            <a:lvl3pPr marL="1371600" indent="-384048" algn="l" defTabSz="914400" rtl="0" eaLnBrk="1" latinLnBrk="0" hangingPunct="1">
+              <a:lnSpc>
+                <a:spcPct val="94000"/>
+              </a:lnSpc>
+              <a:spcBef>
+                <a:spcPts val="500"/>
+              </a:spcBef>
+              <a:spcAft>
+                <a:spcPts val="200"/>
+              </a:spcAft>
+              <a:buFont typeface="Franklin Gothic Book" panose="020B0503020102020204" pitchFamily="34" charset="0"/>
+              <a:buChar char="■"/>
+              <a:defRPr sz="1800" kern="1200" baseline="0">
+                <a:solidFill>
+                  <a:schemeClr val="tx2"/>
+                </a:solidFill>
+                <a:latin typeface="+mn-lt"/>
+                <a:ea typeface="+mn-ea"/>
+                <a:cs typeface="+mn-cs"/>
+              </a:defRPr>
+            </a:lvl3pPr>
+            <a:lvl4pPr marL="1828800" indent="-384048" algn="l" defTabSz="914400" rtl="0" eaLnBrk="1" latinLnBrk="0" hangingPunct="1">
+              <a:lnSpc>
+                <a:spcPct val="94000"/>
+              </a:lnSpc>
+              <a:spcBef>
+                <a:spcPts val="500"/>
+              </a:spcBef>
+              <a:spcAft>
+                <a:spcPts val="200"/>
+              </a:spcAft>
+              <a:buFont typeface="Franklin Gothic Book" panose="020B0503020102020204" pitchFamily="34" charset="0"/>
+              <a:buChar char="–"/>
+              <a:defRPr sz="1800" i="1" kern="1200" baseline="0">
+                <a:solidFill>
+                  <a:schemeClr val="tx2"/>
+                </a:solidFill>
+                <a:latin typeface="+mn-lt"/>
+                <a:ea typeface="+mn-ea"/>
+                <a:cs typeface="+mn-cs"/>
+              </a:defRPr>
+            </a:lvl4pPr>
+            <a:lvl5pPr marL="2286000" indent="-384048" algn="l" defTabSz="914400" rtl="0" eaLnBrk="1" latinLnBrk="0" hangingPunct="1">
+              <a:lnSpc>
+                <a:spcPct val="94000"/>
+              </a:lnSpc>
+              <a:spcBef>
+                <a:spcPts val="500"/>
+              </a:spcBef>
+              <a:spcAft>
+                <a:spcPts val="200"/>
+              </a:spcAft>
+              <a:buFont typeface="Franklin Gothic Book" panose="020B0503020102020204" pitchFamily="34" charset="0"/>
+              <a:buChar char="■"/>
+              <a:defRPr sz="1600" kern="1200" baseline="0">
+                <a:solidFill>
+                  <a:schemeClr val="tx2"/>
+                </a:solidFill>
+                <a:latin typeface="+mn-lt"/>
+                <a:ea typeface="+mn-ea"/>
+                <a:cs typeface="+mn-cs"/>
+              </a:defRPr>
+            </a:lvl5pPr>
+            <a:lvl6pPr marL="2743200" indent="-384048" algn="l" defTabSz="914400" rtl="0" eaLnBrk="1" latinLnBrk="0" hangingPunct="1">
+              <a:lnSpc>
+                <a:spcPct val="94000"/>
+              </a:lnSpc>
+              <a:spcBef>
+                <a:spcPts val="500"/>
+              </a:spcBef>
+              <a:spcAft>
+                <a:spcPts val="200"/>
+              </a:spcAft>
+              <a:buFont typeface="Franklin Gothic Book" panose="020B0503020102020204" pitchFamily="34" charset="0"/>
+              <a:buChar char="–"/>
+              <a:defRPr sz="1600" i="1" kern="1200" baseline="0">
+                <a:solidFill>
+                  <a:schemeClr val="tx2"/>
+                </a:solidFill>
+                <a:latin typeface="+mn-lt"/>
+                <a:ea typeface="+mn-ea"/>
+                <a:cs typeface="+mn-cs"/>
+              </a:defRPr>
+            </a:lvl6pPr>
+            <a:lvl7pPr marL="3200400" indent="-384048" algn="l" defTabSz="914400" rtl="0" eaLnBrk="1" latinLnBrk="0" hangingPunct="1">
+              <a:lnSpc>
+                <a:spcPct val="94000"/>
+              </a:lnSpc>
+              <a:spcBef>
+                <a:spcPts val="500"/>
+              </a:spcBef>
+              <a:spcAft>
+                <a:spcPts val="200"/>
+              </a:spcAft>
+              <a:buFont typeface="Franklin Gothic Book" panose="020B0503020102020204" pitchFamily="34" charset="0"/>
+              <a:buChar char="■"/>
+              <a:defRPr sz="1400" kern="1200" baseline="0">
+                <a:solidFill>
+                  <a:schemeClr val="tx2"/>
+                </a:solidFill>
+                <a:latin typeface="+mn-lt"/>
+                <a:ea typeface="+mn-ea"/>
+                <a:cs typeface="+mn-cs"/>
+              </a:defRPr>
+            </a:lvl7pPr>
+            <a:lvl8pPr marL="3657600" indent="-384048" algn="l" defTabSz="914400" rtl="0" eaLnBrk="1" latinLnBrk="0" hangingPunct="1">
+              <a:lnSpc>
+                <a:spcPct val="94000"/>
+              </a:lnSpc>
+              <a:spcBef>
+                <a:spcPts val="500"/>
+              </a:spcBef>
+              <a:spcAft>
+                <a:spcPts val="200"/>
+              </a:spcAft>
+              <a:buFont typeface="Franklin Gothic Book" panose="020B0503020102020204" pitchFamily="34" charset="0"/>
+              <a:buChar char="–"/>
+              <a:defRPr sz="1400" i="1" kern="1200" baseline="0">
+                <a:solidFill>
+                  <a:schemeClr val="tx2"/>
+                </a:solidFill>
+                <a:latin typeface="+mn-lt"/>
+                <a:ea typeface="+mn-ea"/>
+                <a:cs typeface="+mn-cs"/>
+              </a:defRPr>
+            </a:lvl8pPr>
+            <a:lvl9pPr marL="4114800" indent="-384048" algn="l" defTabSz="914400" rtl="0" eaLnBrk="1" latinLnBrk="0" hangingPunct="1">
+              <a:lnSpc>
+                <a:spcPct val="94000"/>
+              </a:lnSpc>
+              <a:spcBef>
+                <a:spcPts val="500"/>
+              </a:spcBef>
+              <a:spcAft>
+                <a:spcPts val="200"/>
+              </a:spcAft>
+              <a:buFont typeface="Franklin Gothic Book" panose="020B0503020102020204" pitchFamily="34" charset="0"/>
+              <a:buChar char="■"/>
+              <a:defRPr sz="1400" kern="1200" baseline="0">
+                <a:solidFill>
+                  <a:schemeClr val="tx2"/>
+                </a:solidFill>
+                <a:latin typeface="+mn-lt"/>
+                <a:ea typeface="+mn-ea"/>
+                <a:cs typeface="+mn-cs"/>
+              </a:defRPr>
+            </a:lvl9pPr>
+          </a:lstStyle>
           <a:p>
             <a:r>
               <a:rPr lang="en-US" dirty="0"/>
-              <a:t>I thought it might be cool to have an insights page on the site it’s self… so we transition form slid 4 to the app and show the cools stuff we did, and the insights taken from it… Just a thought </a:t>
+              <a:t>Full text of articles is a lot of data</a:t>
             </a:r>
           </a:p>
           <a:p>
             <a:r>
               <a:rPr lang="en-US" dirty="0"/>
-              <a:t>Maybe also do the same with key take </a:t>
-            </a:r>
-            <a:r>
-              <a:rPr lang="en-US" dirty="0" err="1"/>
-              <a:t>aways</a:t>
-            </a:r>
+              <a:t>Optimization vs. dynamic updating</a:t>
+            </a:r>
+          </a:p>
+          <a:p>
             <a:r>
               <a:rPr lang="en-US" dirty="0"/>
-              <a:t>?</a:t>
+              <a:t>D3 is HARD</a:t>
             </a:r>
           </a:p>
         </p:txBody>
       </p:sp>
+      <p:pic>
+        <p:nvPicPr>
+          <p:cNvPr id="7" name="Picture 6">
+            <a:extLst>
+              <a:ext uri="{FF2B5EF4-FFF2-40B4-BE49-F238E27FC236}">
+                <a16:creationId xmlns:a16="http://schemas.microsoft.com/office/drawing/2014/main" id="{4B4BFE87-AFB8-4572-89A9-BA1E3F9D1D1E}"/>
+              </a:ext>
+            </a:extLst>
+          </p:cNvPr>
+          <p:cNvPicPr>
+            <a:picLocks noChangeAspect="1"/>
+          </p:cNvPicPr>
+          <p:nvPr/>
+        </p:nvPicPr>
+        <p:blipFill rotWithShape="1">
+          <a:blip r:embed="rId2"/>
+          <a:srcRect r="59881" b="21992"/>
+          <a:stretch/>
+        </p:blipFill>
+        <p:spPr>
+          <a:xfrm>
+            <a:off x="1371599" y="1770742"/>
+            <a:ext cx="3575445" cy="3904343"/>
+          </a:xfrm>
+          <a:prstGeom prst="rect">
+            <a:avLst/>
+          </a:prstGeom>
+        </p:spPr>
+      </p:pic>
+      <p:pic>
+        <p:nvPicPr>
+          <p:cNvPr id="8" name="Picture 7">
+            <a:extLst>
+              <a:ext uri="{FF2B5EF4-FFF2-40B4-BE49-F238E27FC236}">
+                <a16:creationId xmlns:a16="http://schemas.microsoft.com/office/drawing/2014/main" id="{1F2CDF3C-F52B-4FB0-80CA-4F90908F376D}"/>
+              </a:ext>
+            </a:extLst>
+          </p:cNvPr>
+          <p:cNvPicPr>
+            <a:picLocks noChangeAspect="1"/>
+          </p:cNvPicPr>
+          <p:nvPr/>
+        </p:nvPicPr>
+        <p:blipFill rotWithShape="1">
+          <a:blip r:embed="rId2"/>
+          <a:srcRect l="52903" r="19762" b="21992"/>
+          <a:stretch/>
+        </p:blipFill>
+        <p:spPr>
+          <a:xfrm>
+            <a:off x="4947044" y="1770741"/>
+            <a:ext cx="2436073" cy="3904343"/>
+          </a:xfrm>
+          <a:prstGeom prst="rect">
+            <a:avLst/>
+          </a:prstGeom>
+        </p:spPr>
+      </p:pic>
     </p:spTree>
     <p:extLst>
       <p:ext uri="{BB962C8B-B14F-4D97-AF65-F5344CB8AC3E}">
@@ -14121,6 +14120,89 @@
 </file>
 
 <file path=ppt/slides/slide6.xml><?xml version="1.0" encoding="utf-8"?>
+<p:sld xmlns:a="http://schemas.openxmlformats.org/drawingml/2006/main" xmlns:r="http://schemas.openxmlformats.org/officeDocument/2006/relationships" xmlns:p="http://schemas.openxmlformats.org/presentationml/2006/main">
+  <p:cSld>
+    <p:spTree>
+      <p:nvGrpSpPr>
+        <p:cNvPr id="1" name=""/>
+        <p:cNvGrpSpPr/>
+        <p:nvPr/>
+      </p:nvGrpSpPr>
+      <p:grpSpPr>
+        <a:xfrm>
+          <a:off x="0" y="0"/>
+          <a:ext cx="0" cy="0"/>
+          <a:chOff x="0" y="0"/>
+          <a:chExt cx="0" cy="0"/>
+        </a:xfrm>
+      </p:grpSpPr>
+      <p:sp>
+        <p:nvSpPr>
+          <p:cNvPr id="4" name="Title 3">
+            <a:extLst>
+              <a:ext uri="{FF2B5EF4-FFF2-40B4-BE49-F238E27FC236}">
+                <a16:creationId xmlns:a16="http://schemas.microsoft.com/office/drawing/2014/main" id="{57BA24D8-4846-4CBC-89B0-82F29721185A}"/>
+              </a:ext>
+            </a:extLst>
+          </p:cNvPr>
+          <p:cNvSpPr>
+            <a:spLocks noGrp="1"/>
+          </p:cNvSpPr>
+          <p:nvPr>
+            <p:ph type="ctrTitle"/>
+          </p:nvPr>
+        </p:nvSpPr>
+        <p:spPr/>
+        <p:txBody>
+          <a:bodyPr/>
+          <a:lstStyle/>
+          <a:p>
+            <a:r>
+              <a:rPr lang="en-US" dirty="0"/>
+              <a:t>appendix</a:t>
+            </a:r>
+          </a:p>
+        </p:txBody>
+      </p:sp>
+      <p:sp>
+        <p:nvSpPr>
+          <p:cNvPr id="5" name="Subtitle 4">
+            <a:extLst>
+              <a:ext uri="{FF2B5EF4-FFF2-40B4-BE49-F238E27FC236}">
+                <a16:creationId xmlns:a16="http://schemas.microsoft.com/office/drawing/2014/main" id="{909BEE3E-3CC4-4B3D-B5AF-528107D32272}"/>
+              </a:ext>
+            </a:extLst>
+          </p:cNvPr>
+          <p:cNvSpPr>
+            <a:spLocks noGrp="1"/>
+          </p:cNvSpPr>
+          <p:nvPr>
+            <p:ph type="subTitle" idx="1"/>
+          </p:nvPr>
+        </p:nvSpPr>
+        <p:spPr/>
+        <p:txBody>
+          <a:bodyPr/>
+          <a:lstStyle/>
+          <a:p>
+            <a:endParaRPr lang="en-US"/>
+          </a:p>
+        </p:txBody>
+      </p:sp>
+    </p:spTree>
+    <p:extLst>
+      <p:ext uri="{BB962C8B-B14F-4D97-AF65-F5344CB8AC3E}">
+        <p14:creationId xmlns:p14="http://schemas.microsoft.com/office/powerpoint/2010/main" val="2873799757"/>
+      </p:ext>
+    </p:extLst>
+  </p:cSld>
+  <p:clrMapOvr>
+    <a:masterClrMapping/>
+  </p:clrMapOvr>
+</p:sld>
+</file>
+
+<file path=ppt/slides/slide7.xml><?xml version="1.0" encoding="utf-8"?>
 <p:sld xmlns:a="http://schemas.openxmlformats.org/drawingml/2006/main" xmlns:r="http://schemas.openxmlformats.org/officeDocument/2006/relationships" xmlns:p="http://schemas.openxmlformats.org/presentationml/2006/main">
   <p:cSld>
     <p:spTree>
@@ -14160,17 +14242,17 @@
           <a:p>
             <a:r>
               <a:rPr lang="en-US" dirty="0"/>
-              <a:t>Key takeaways</a:t>
+              <a:t>References </a:t>
             </a:r>
           </a:p>
         </p:txBody>
       </p:sp>
       <p:sp>
         <p:nvSpPr>
-          <p:cNvPr id="3" name="Content Placeholder 2">
+          <p:cNvPr id="7" name="Content Placeholder 6">
             <a:extLst>
               <a:ext uri="{FF2B5EF4-FFF2-40B4-BE49-F238E27FC236}">
-                <a16:creationId xmlns:a16="http://schemas.microsoft.com/office/drawing/2014/main" id="{62650EB6-537B-41B0-BD21-36EDF3512704}"/>
+                <a16:creationId xmlns:a16="http://schemas.microsoft.com/office/drawing/2014/main" id="{3C8A78CA-CB3A-4F5A-8CC6-03FD0D5CEADB}"/>
               </a:ext>
             </a:extLst>
           </p:cNvPr>
@@ -14184,161 +14266,69 @@
         <p:spPr/>
         <p:txBody>
           <a:bodyPr>
-            <a:normAutofit/>
+            <a:normAutofit fontScale="70000" lnSpcReduction="20000"/>
           </a:bodyPr>
           <a:lstStyle/>
           <a:p>
             <a:r>
+              <a:rPr lang="en-US" dirty="0" err="1"/>
+              <a:t>Chaithra</a:t>
+            </a:r>
+            <a:r>
               <a:rPr lang="en-US" dirty="0"/>
-              <a:t>Key findings</a:t>
-            </a:r>
-          </a:p>
-          <a:p>
-            <a:pPr lvl="1"/>
+              <a:t>, V. D. (2019). Hybrid approach: naive bayes and sentiment VADER for analyzing sentiment of mobile unboxing video comments. International Journal of Electrical and Computer Engineering (IJECE), 9(5), 4452-4459.</a:t>
+            </a:r>
+          </a:p>
+          <a:p>
             <a:r>
               <a:rPr lang="en-US" dirty="0"/>
-              <a:t>Need to fill out</a:t>
+              <a:t>Davies, Mark. (2016-) Corpus of News on the Web (NOW): 10 billion words from 20 countries, updated every day. Available online at https://www.english-corpora.org/now/.</a:t>
             </a:r>
           </a:p>
           <a:p>
             <a:r>
               <a:rPr lang="en-US" dirty="0"/>
-              <a:t>Challenges</a:t>
-            </a:r>
-          </a:p>
-          <a:p>
-            <a:pPr lvl="1"/>
-            <a:r>
-              <a:rPr lang="en-US" dirty="0" smtClean="0"/>
-              <a:t>Full text of articles is a lot of data</a:t>
-            </a:r>
-          </a:p>
-          <a:p>
-            <a:pPr lvl="1"/>
-            <a:r>
-              <a:rPr lang="en-US" dirty="0" smtClean="0"/>
-              <a:t>Optimization vs. dynamic updating</a:t>
-            </a:r>
-            <a:endParaRPr lang="en-US" dirty="0"/>
+              <a:t>Gilbert, C. H. E., &amp; Hutto, E. (2014, June). Vader: A parsimonious rule-based model for sentiment analysis of social media text. In Eighth International Conference on Weblogs and Social Media (ICWSM-14). Available at (20/04/16) http://comp.social.gatech.edu/papers/icwsm14.vader.hutto.pdf (Vol. 81, p. 82).</a:t>
+            </a:r>
           </a:p>
           <a:p>
             <a:r>
               <a:rPr lang="en-US" dirty="0"/>
-              <a:t>Additional questions to be asked if had more time/resources</a:t>
-            </a:r>
-          </a:p>
-          <a:p>
-            <a:pPr lvl="1"/>
-            <a:r>
-              <a:rPr lang="en-US" dirty="0" smtClean="0"/>
-              <a:t>More accurate sentiment analysis</a:t>
-            </a:r>
-          </a:p>
-          <a:p>
-            <a:pPr lvl="1"/>
-            <a:r>
-              <a:rPr lang="en-US" dirty="0" smtClean="0"/>
-              <a:t>Named-entity recognition</a:t>
-            </a:r>
-            <a:endParaRPr lang="en-US" dirty="0" smtClean="0"/>
-          </a:p>
-          <a:p>
-            <a:pPr lvl="1"/>
-            <a:r>
-              <a:rPr lang="en-US" dirty="0" smtClean="0"/>
-              <a:t>Further exploration of full text of articles</a:t>
-            </a:r>
-            <a:endParaRPr lang="en-US" dirty="0"/>
+              <a:t>Martin, B. &amp; Koufos, N. (2020). Sentiment analysis on Reddit news headlines with Python’s Natural Language Toolkit (NLTK). Learn Data Science. https://www.learndatasci.com/tutorials/sentiment-analysis-reddit-headlines-pythons-nltk/.</a:t>
+            </a:r>
+          </a:p>
+          <a:p>
+            <a:r>
+              <a:rPr lang="en-US" dirty="0"/>
+              <a:t>Pew Research Center (2014). “Wave 1 American trends panel: Mar 19, 2014-Apr 29, 2014.” Washington, D.C. </a:t>
+            </a:r>
+            <a:r>
+              <a:rPr lang="en-US" dirty="0">
+                <a:hlinkClick r:id="rId2"/>
+              </a:rPr>
+              <a:t>https://www.journalism.org/2014/10/21/political-polarization-media-habits/</a:t>
+            </a:r>
+            <a:r>
+              <a:rPr lang="en-US" dirty="0"/>
+              <a:t>.</a:t>
+            </a:r>
+          </a:p>
+          <a:p>
+            <a:r>
+              <a:rPr lang="en-US" dirty="0" err="1"/>
+              <a:t>Gramazio</a:t>
+            </a:r>
+            <a:r>
+              <a:rPr lang="en-US" dirty="0"/>
+              <a:t>, Connor C. and Laidlaw, David H. and Schloss, Karen B. (2017). Colorgorical: creating discriminable and preferable color palettes for information visualization. *IEEE Transactions on Visualization and Computer Graphics*</a:t>
+            </a:r>
           </a:p>
         </p:txBody>
       </p:sp>
     </p:spTree>
     <p:extLst>
       <p:ext uri="{BB962C8B-B14F-4D97-AF65-F5344CB8AC3E}">
-        <p14:creationId xmlns:p14="http://schemas.microsoft.com/office/powerpoint/2010/main" val="1865033548"/>
-      </p:ext>
-    </p:extLst>
-  </p:cSld>
-  <p:clrMapOvr>
-    <a:masterClrMapping/>
-  </p:clrMapOvr>
-</p:sld>
-</file>
-
-<file path=ppt/slides/slide7.xml><?xml version="1.0" encoding="utf-8"?>
-<p:sld xmlns:a="http://schemas.openxmlformats.org/drawingml/2006/main" xmlns:r="http://schemas.openxmlformats.org/officeDocument/2006/relationships" xmlns:p="http://schemas.openxmlformats.org/presentationml/2006/main">
-  <p:cSld>
-    <p:spTree>
-      <p:nvGrpSpPr>
-        <p:cNvPr id="1" name=""/>
-        <p:cNvGrpSpPr/>
-        <p:nvPr/>
-      </p:nvGrpSpPr>
-      <p:grpSpPr>
-        <a:xfrm>
-          <a:off x="0" y="0"/>
-          <a:ext cx="0" cy="0"/>
-          <a:chOff x="0" y="0"/>
-          <a:chExt cx="0" cy="0"/>
-        </a:xfrm>
-      </p:grpSpPr>
-      <p:sp>
-        <p:nvSpPr>
-          <p:cNvPr id="4" name="Title 3">
-            <a:extLst>
-              <a:ext uri="{FF2B5EF4-FFF2-40B4-BE49-F238E27FC236}">
-                <a16:creationId xmlns:a16="http://schemas.microsoft.com/office/drawing/2014/main" id="{57BA24D8-4846-4CBC-89B0-82F29721185A}"/>
-              </a:ext>
-            </a:extLst>
-          </p:cNvPr>
-          <p:cNvSpPr>
-            <a:spLocks noGrp="1"/>
-          </p:cNvSpPr>
-          <p:nvPr>
-            <p:ph type="ctrTitle"/>
-          </p:nvPr>
-        </p:nvSpPr>
-        <p:spPr/>
-        <p:txBody>
-          <a:bodyPr/>
-          <a:lstStyle/>
-          <a:p>
-            <a:r>
-              <a:rPr lang="en-US" dirty="0"/>
-              <a:t>appendix</a:t>
-            </a:r>
-          </a:p>
-        </p:txBody>
-      </p:sp>
-      <p:sp>
-        <p:nvSpPr>
-          <p:cNvPr id="5" name="Subtitle 4">
-            <a:extLst>
-              <a:ext uri="{FF2B5EF4-FFF2-40B4-BE49-F238E27FC236}">
-                <a16:creationId xmlns:a16="http://schemas.microsoft.com/office/drawing/2014/main" id="{909BEE3E-3CC4-4B3D-B5AF-528107D32272}"/>
-              </a:ext>
-            </a:extLst>
-          </p:cNvPr>
-          <p:cNvSpPr>
-            <a:spLocks noGrp="1"/>
-          </p:cNvSpPr>
-          <p:nvPr>
-            <p:ph type="subTitle" idx="1"/>
-          </p:nvPr>
-        </p:nvSpPr>
-        <p:spPr/>
-        <p:txBody>
-          <a:bodyPr/>
-          <a:lstStyle/>
-          <a:p>
-            <a:endParaRPr lang="en-US"/>
-          </a:p>
-        </p:txBody>
-      </p:sp>
-    </p:spTree>
-    <p:extLst>
-      <p:ext uri="{BB962C8B-B14F-4D97-AF65-F5344CB8AC3E}">
-        <p14:creationId xmlns:p14="http://schemas.microsoft.com/office/powerpoint/2010/main" val="2873799757"/>
+        <p14:creationId xmlns:p14="http://schemas.microsoft.com/office/powerpoint/2010/main" val="1768583760"/>
       </p:ext>
     </p:extLst>
   </p:cSld>
@@ -14370,7 +14360,7 @@
           <p:cNvPr id="2" name="Title 1">
             <a:extLst>
               <a:ext uri="{FF2B5EF4-FFF2-40B4-BE49-F238E27FC236}">
-                <a16:creationId xmlns:a16="http://schemas.microsoft.com/office/drawing/2014/main" id="{6E1DFE7F-8996-4432-B0B9-1278B1C45367}"/>
+                <a16:creationId xmlns:a16="http://schemas.microsoft.com/office/drawing/2014/main" id="{29F0F9EE-326E-434D-8BB8-BD0C81FD94C1}"/>
               </a:ext>
             </a:extLst>
           </p:cNvPr>
@@ -14388,17 +14378,124 @@
           <a:p>
             <a:r>
               <a:rPr lang="en-US" dirty="0"/>
-              <a:t>References </a:t>
+              <a:t>Next steps</a:t>
             </a:r>
           </a:p>
         </p:txBody>
       </p:sp>
       <p:sp>
         <p:nvSpPr>
-          <p:cNvPr id="7" name="Content Placeholder 6">
+          <p:cNvPr id="3" name="Content Placeholder 2">
             <a:extLst>
               <a:ext uri="{FF2B5EF4-FFF2-40B4-BE49-F238E27FC236}">
-                <a16:creationId xmlns:a16="http://schemas.microsoft.com/office/drawing/2014/main" id="{3C8A78CA-CB3A-4F5A-8CC6-03FD0D5CEADB}"/>
+                <a16:creationId xmlns:a16="http://schemas.microsoft.com/office/drawing/2014/main" id="{1492B1CD-1A69-40D6-A152-78A5DCE389BB}"/>
+              </a:ext>
+            </a:extLst>
+          </p:cNvPr>
+          <p:cNvSpPr>
+            <a:spLocks noGrp="1"/>
+          </p:cNvSpPr>
+          <p:nvPr>
+            <p:ph idx="1"/>
+          </p:nvPr>
+        </p:nvSpPr>
+        <p:spPr/>
+        <p:txBody>
+          <a:bodyPr/>
+          <a:lstStyle/>
+          <a:p>
+            <a:r>
+              <a:rPr lang="en-US" dirty="0"/>
+              <a:t>Additional questions to be asked if had more time/resources</a:t>
+            </a:r>
+          </a:p>
+          <a:p>
+            <a:pPr lvl="1"/>
+            <a:r>
+              <a:rPr lang="en-US" dirty="0"/>
+              <a:t>More accurate sentiment analysis</a:t>
+            </a:r>
+          </a:p>
+          <a:p>
+            <a:pPr lvl="1"/>
+            <a:r>
+              <a:rPr lang="en-US" dirty="0"/>
+              <a:t>Named-entity recognition</a:t>
+            </a:r>
+          </a:p>
+          <a:p>
+            <a:pPr lvl="1"/>
+            <a:r>
+              <a:rPr lang="en-US" dirty="0"/>
+              <a:t>Further exploration of full text of articles</a:t>
+            </a:r>
+          </a:p>
+          <a:p>
+            <a:endParaRPr lang="en-US" dirty="0"/>
+          </a:p>
+        </p:txBody>
+      </p:sp>
+    </p:spTree>
+    <p:extLst>
+      <p:ext uri="{BB962C8B-B14F-4D97-AF65-F5344CB8AC3E}">
+        <p14:creationId xmlns:p14="http://schemas.microsoft.com/office/powerpoint/2010/main" val="2450995039"/>
+      </p:ext>
+    </p:extLst>
+  </p:cSld>
+  <p:clrMapOvr>
+    <a:masterClrMapping/>
+  </p:clrMapOvr>
+</p:sld>
+</file>
+
+<file path=ppt/slides/slide9.xml><?xml version="1.0" encoding="utf-8"?>
+<p:sld xmlns:a="http://schemas.openxmlformats.org/drawingml/2006/main" xmlns:r="http://schemas.openxmlformats.org/officeDocument/2006/relationships" xmlns:p="http://schemas.openxmlformats.org/presentationml/2006/main">
+  <p:cSld>
+    <p:spTree>
+      <p:nvGrpSpPr>
+        <p:cNvPr id="1" name=""/>
+        <p:cNvGrpSpPr/>
+        <p:nvPr/>
+      </p:nvGrpSpPr>
+      <p:grpSpPr>
+        <a:xfrm>
+          <a:off x="0" y="0"/>
+          <a:ext cx="0" cy="0"/>
+          <a:chOff x="0" y="0"/>
+          <a:chExt cx="0" cy="0"/>
+        </a:xfrm>
+      </p:grpSpPr>
+      <p:sp>
+        <p:nvSpPr>
+          <p:cNvPr id="2" name="Title 1">
+            <a:extLst>
+              <a:ext uri="{FF2B5EF4-FFF2-40B4-BE49-F238E27FC236}">
+                <a16:creationId xmlns:a16="http://schemas.microsoft.com/office/drawing/2014/main" id="{9D401B98-3337-4943-93C5-0F5F27548CB2}"/>
+              </a:ext>
+            </a:extLst>
+          </p:cNvPr>
+          <p:cNvSpPr>
+            <a:spLocks noGrp="1"/>
+          </p:cNvSpPr>
+          <p:nvPr>
+            <p:ph type="title"/>
+          </p:nvPr>
+        </p:nvSpPr>
+        <p:spPr/>
+        <p:txBody>
+          <a:bodyPr/>
+          <a:lstStyle/>
+          <a:p>
+            <a:endParaRPr lang="en-US"/>
+          </a:p>
+        </p:txBody>
+      </p:sp>
+      <p:sp>
+        <p:nvSpPr>
+          <p:cNvPr id="3" name="Content Placeholder 2">
+            <a:extLst>
+              <a:ext uri="{FF2B5EF4-FFF2-40B4-BE49-F238E27FC236}">
+                <a16:creationId xmlns:a16="http://schemas.microsoft.com/office/drawing/2014/main" id="{562263B2-F91C-4833-90E3-F6F45F94BD5B}"/>
               </a:ext>
             </a:extLst>
           </p:cNvPr>
@@ -14412,61 +14509,74 @@
         <p:spPr/>
         <p:txBody>
           <a:bodyPr>
-            <a:normAutofit fontScale="70000" lnSpcReduction="20000"/>
+            <a:normAutofit fontScale="92500" lnSpcReduction="10000"/>
           </a:bodyPr>
           <a:lstStyle/>
           <a:p>
             <a:r>
-              <a:rPr lang="en-US" dirty="0" err="1"/>
-              <a:t>Chaithra</a:t>
-            </a:r>
-            <a:r>
               <a:rPr lang="en-US" dirty="0"/>
-              <a:t>, V. D. (2019). Hybrid approach: naive bayes and sentiment VADER for analyzing sentiment of mobile unboxing video comments. International Journal of Electrical and Computer Engineering (IJECE), 9(5), 4452-4459.</a:t>
+              <a:t>Intro &amp; Description – Morgan, 60</a:t>
             </a:r>
           </a:p>
           <a:p>
             <a:r>
               <a:rPr lang="en-US" dirty="0"/>
-              <a:t>Davies, Mark. (2016-) Corpus of News on the Web (NOW): 10 billion words from 20 countries, updated every day. Available online at https://www.english-corpora.org/now/.</a:t>
-            </a:r>
-          </a:p>
-          <a:p>
+              <a:t>Collections &amp; Architecture – Rebekah, 90</a:t>
+            </a:r>
+          </a:p>
+          <a:p>
+            <a:pPr lvl="1"/>
             <a:r>
               <a:rPr lang="en-US" dirty="0"/>
-              <a:t>Gilbert, C. H. E., &amp; Hutto, E. (2014, June). Vader: A parsimonious rule-based model for sentiment analysis of social media text. In Eighth International Conference on Weblogs and Social Media (ICWSM-14). Available at (20/04/16) http://comp.social.gatech.edu/papers/icwsm14.vader.hutto.pdf (Vol. 81, p. 82).</a:t>
+              <a:t> - 3 API calls, does analysis in API call</a:t>
             </a:r>
           </a:p>
           <a:p>
             <a:r>
               <a:rPr lang="en-US" dirty="0"/>
-              <a:t>Martin, B. &amp; Koufos, N. (2020). Sentiment analysis on Reddit news headlines with Python’s Natural Language Toolkit (NLTK). Learn Data Science. https://www.learndatasci.com/tutorials/sentiment-analysis-reddit-headlines-pythons-nltk/.</a:t>
-            </a:r>
-          </a:p>
-          <a:p>
+              <a:t>Site</a:t>
+            </a:r>
+          </a:p>
+          <a:p>
+            <a:pPr lvl="1"/>
             <a:r>
               <a:rPr lang="en-US" dirty="0"/>
-              <a:t>Pew Research Center (2014). “Wave 1 American trends panel: Mar 19, 2014-Apr 29, 2014.” Washington, D.C. </a:t>
-            </a:r>
-            <a:r>
-              <a:rPr lang="en-US" dirty="0">
-                <a:hlinkClick r:id="rId2"/>
-              </a:rPr>
-              <a:t>https://www.journalism.org/2014/10/21/political-polarization-media-habits/</a:t>
-            </a:r>
+              <a:t>Home page – James, 30</a:t>
+            </a:r>
+          </a:p>
+          <a:p>
+            <a:pPr lvl="1"/>
             <a:r>
               <a:rPr lang="en-US" dirty="0"/>
-              <a:t>.</a:t>
-            </a:r>
-          </a:p>
-          <a:p>
-            <a:r>
-              <a:rPr lang="en-US" dirty="0" err="1"/>
-              <a:t>Gramazio</a:t>
-            </a:r>
+              <a:t>Domains – Ted, 90</a:t>
+            </a:r>
+          </a:p>
+          <a:p>
+            <a:pPr lvl="1"/>
             <a:r>
               <a:rPr lang="en-US" dirty="0"/>
-              <a:t>, Connor C. and Laidlaw, David H. and Schloss, Karen B. (2017). Colorgorical: creating discriminable and preferable color palettes for information visualization. *IEEE Transactions on Visualization and Computer Graphics*</a:t>
+              <a:t>Keywords – Rohan</a:t>
+            </a:r>
+            <a:r>
+              <a:rPr lang="en-US"/>
+              <a:t>, 60</a:t>
+            </a:r>
+            <a:endParaRPr lang="en-US" dirty="0"/>
+          </a:p>
+          <a:p>
+            <a:pPr lvl="1"/>
+            <a:r>
+              <a:rPr lang="en-US" dirty="0"/>
+              <a:t>Data – Scot, 30s</a:t>
+            </a:r>
+          </a:p>
+          <a:p>
+            <a:endParaRPr lang="en-US" dirty="0"/>
+          </a:p>
+          <a:p>
+            <a:r>
+              <a:rPr lang="en-US" dirty="0"/>
+              <a:t>Insights/takeaways – Rebekah, 60</a:t>
             </a:r>
           </a:p>
         </p:txBody>
@@ -14474,7 +14584,7 @@
     </p:spTree>
     <p:extLst>
       <p:ext uri="{BB962C8B-B14F-4D97-AF65-F5344CB8AC3E}">
-        <p14:creationId xmlns:p14="http://schemas.microsoft.com/office/powerpoint/2010/main" val="1768583760"/>
+        <p14:creationId xmlns:p14="http://schemas.microsoft.com/office/powerpoint/2010/main" val="3668614299"/>
       </p:ext>
     </p:extLst>
   </p:cSld>

--- a/Group_project2_deck.pptx
+++ b/Group_project2_deck.pptx
@@ -5,7 +5,7 @@
     <p:sldMasterId id="2147483648" r:id="rId1"/>
   </p:sldMasterIdLst>
   <p:notesMasterIdLst>
-    <p:notesMasterId r:id="rId11"/>
+    <p:notesMasterId r:id="rId12"/>
   </p:notesMasterIdLst>
   <p:sldIdLst>
     <p:sldId id="265" r:id="rId2"/>
@@ -13,10 +13,11 @@
     <p:sldId id="259" r:id="rId4"/>
     <p:sldId id="258" r:id="rId5"/>
     <p:sldId id="269" r:id="rId6"/>
-    <p:sldId id="268" r:id="rId7"/>
-    <p:sldId id="263" r:id="rId8"/>
-    <p:sldId id="271" r:id="rId9"/>
-    <p:sldId id="270" r:id="rId10"/>
+    <p:sldId id="272" r:id="rId7"/>
+    <p:sldId id="268" r:id="rId8"/>
+    <p:sldId id="263" r:id="rId9"/>
+    <p:sldId id="271" r:id="rId10"/>
+    <p:sldId id="270" r:id="rId11"/>
   </p:sldIdLst>
   <p:sldSz cx="12192000" cy="6858000"/>
   <p:notesSz cx="6858000" cy="9144000"/>
@@ -8458,7 +8459,7 @@
           <a:p>
             <a:fld id="{46BE0A99-7F05-42F8-8D10-B7D701853D1D}" type="datetimeFigureOut">
               <a:rPr lang="en-US" smtClean="0"/>
-              <a:t>1/11/2021</a:t>
+              <a:t>1/13/2021</a:t>
             </a:fld>
             <a:endParaRPr lang="en-US"/>
           </a:p>
@@ -9441,7 +9442,7 @@
             <a:fld id="{87DE6118-2437-4B30-8E3C-4D2BE6020583}" type="datetimeFigureOut">
               <a:rPr lang="en-US" dirty="0"/>
               <a:pPr/>
-              <a:t>1/11/2021</a:t>
+              <a:t>1/13/2021</a:t>
             </a:fld>
             <a:endParaRPr lang="en-US" dirty="0"/>
           </a:p>
@@ -9767,7 +9768,7 @@
           <a:p>
             <a:fld id="{87DE6118-2437-4B30-8E3C-4D2BE6020583}" type="datetimeFigureOut">
               <a:rPr lang="en-US" dirty="0"/>
-              <a:t>1/11/2021</a:t>
+              <a:t>1/13/2021</a:t>
             </a:fld>
             <a:endParaRPr lang="en-US" dirty="0"/>
           </a:p>
@@ -9942,7 +9943,7 @@
           <a:p>
             <a:fld id="{87DE6118-2437-4B30-8E3C-4D2BE6020583}" type="datetimeFigureOut">
               <a:rPr lang="en-US" dirty="0"/>
-              <a:t>1/11/2021</a:t>
+              <a:t>1/13/2021</a:t>
             </a:fld>
             <a:endParaRPr lang="en-US" dirty="0"/>
           </a:p>
@@ -10107,7 +10108,7 @@
           <a:p>
             <a:fld id="{87DE6118-2437-4B30-8E3C-4D2BE6020583}" type="datetimeFigureOut">
               <a:rPr lang="en-US" dirty="0"/>
-              <a:t>1/11/2021</a:t>
+              <a:t>1/13/2021</a:t>
             </a:fld>
             <a:endParaRPr lang="en-US" dirty="0"/>
           </a:p>
@@ -10380,7 +10381,7 @@
             <a:fld id="{87DE6118-2437-4B30-8E3C-4D2BE6020583}" type="datetimeFigureOut">
               <a:rPr lang="en-US" dirty="0"/>
               <a:pPr/>
-              <a:t>1/11/2021</a:t>
+              <a:t>1/13/2021</a:t>
             </a:fld>
             <a:endParaRPr lang="en-US" dirty="0"/>
           </a:p>
@@ -10770,7 +10771,7 @@
           <a:p>
             <a:fld id="{87DE6118-2437-4B30-8E3C-4D2BE6020583}" type="datetimeFigureOut">
               <a:rPr lang="en-US" dirty="0"/>
-              <a:t>1/11/2021</a:t>
+              <a:t>1/13/2021</a:t>
             </a:fld>
             <a:endParaRPr lang="en-US" dirty="0"/>
           </a:p>
@@ -11242,7 +11243,7 @@
           <a:p>
             <a:fld id="{87DE6118-2437-4B30-8E3C-4D2BE6020583}" type="datetimeFigureOut">
               <a:rPr lang="en-US" dirty="0"/>
-              <a:t>1/11/2021</a:t>
+              <a:t>1/13/2021</a:t>
             </a:fld>
             <a:endParaRPr lang="en-US" dirty="0"/>
           </a:p>
@@ -11355,7 +11356,7 @@
           <a:p>
             <a:fld id="{87DE6118-2437-4B30-8E3C-4D2BE6020583}" type="datetimeFigureOut">
               <a:rPr lang="en-US" dirty="0"/>
-              <a:t>1/11/2021</a:t>
+              <a:t>1/13/2021</a:t>
             </a:fld>
             <a:endParaRPr lang="en-US" dirty="0"/>
           </a:p>
@@ -11445,7 +11446,7 @@
           <a:p>
             <a:fld id="{87DE6118-2437-4B30-8E3C-4D2BE6020583}" type="datetimeFigureOut">
               <a:rPr lang="en-US" dirty="0"/>
-              <a:t>1/11/2021</a:t>
+              <a:t>1/13/2021</a:t>
             </a:fld>
             <a:endParaRPr lang="en-US" dirty="0"/>
           </a:p>
@@ -11787,7 +11788,7 @@
             <a:fld id="{87DE6118-2437-4B30-8E3C-4D2BE6020583}" type="datetimeFigureOut">
               <a:rPr lang="en-US" dirty="0"/>
               <a:pPr/>
-              <a:t>1/11/2021</a:t>
+              <a:t>1/13/2021</a:t>
             </a:fld>
             <a:endParaRPr lang="en-US" dirty="0"/>
           </a:p>
@@ -12172,7 +12173,7 @@
             <a:fld id="{87DE6118-2437-4B30-8E3C-4D2BE6020583}" type="datetimeFigureOut">
               <a:rPr lang="en-US" dirty="0"/>
               <a:pPr/>
-              <a:t>1/11/2021</a:t>
+              <a:t>1/13/2021</a:t>
             </a:fld>
             <a:endParaRPr lang="en-US" dirty="0"/>
           </a:p>
@@ -12447,7 +12448,7 @@
             <a:fld id="{87DE6118-2437-4B30-8E3C-4D2BE6020583}" type="datetimeFigureOut">
               <a:rPr lang="en-US" dirty="0"/>
               <a:pPr/>
-              <a:t>1/11/2021</a:t>
+              <a:t>1/13/2021</a:t>
             </a:fld>
             <a:endParaRPr lang="en-US" dirty="0"/>
           </a:p>
@@ -13061,6 +13062,152 @@
 </p:sld>
 </file>
 
+<file path=ppt/slides/slide10.xml><?xml version="1.0" encoding="utf-8"?>
+<p:sld xmlns:a="http://schemas.openxmlformats.org/drawingml/2006/main" xmlns:r="http://schemas.openxmlformats.org/officeDocument/2006/relationships" xmlns:p="http://schemas.openxmlformats.org/presentationml/2006/main">
+  <p:cSld>
+    <p:spTree>
+      <p:nvGrpSpPr>
+        <p:cNvPr id="1" name=""/>
+        <p:cNvGrpSpPr/>
+        <p:nvPr/>
+      </p:nvGrpSpPr>
+      <p:grpSpPr>
+        <a:xfrm>
+          <a:off x="0" y="0"/>
+          <a:ext cx="0" cy="0"/>
+          <a:chOff x="0" y="0"/>
+          <a:chExt cx="0" cy="0"/>
+        </a:xfrm>
+      </p:grpSpPr>
+      <p:sp>
+        <p:nvSpPr>
+          <p:cNvPr id="2" name="Title 1">
+            <a:extLst>
+              <a:ext uri="{FF2B5EF4-FFF2-40B4-BE49-F238E27FC236}">
+                <a16:creationId xmlns:a16="http://schemas.microsoft.com/office/drawing/2014/main" id="{9D401B98-3337-4943-93C5-0F5F27548CB2}"/>
+              </a:ext>
+            </a:extLst>
+          </p:cNvPr>
+          <p:cNvSpPr>
+            <a:spLocks noGrp="1"/>
+          </p:cNvSpPr>
+          <p:nvPr>
+            <p:ph type="title"/>
+          </p:nvPr>
+        </p:nvSpPr>
+        <p:spPr/>
+        <p:txBody>
+          <a:bodyPr/>
+          <a:lstStyle/>
+          <a:p>
+            <a:endParaRPr lang="en-US"/>
+          </a:p>
+        </p:txBody>
+      </p:sp>
+      <p:sp>
+        <p:nvSpPr>
+          <p:cNvPr id="3" name="Content Placeholder 2">
+            <a:extLst>
+              <a:ext uri="{FF2B5EF4-FFF2-40B4-BE49-F238E27FC236}">
+                <a16:creationId xmlns:a16="http://schemas.microsoft.com/office/drawing/2014/main" id="{562263B2-F91C-4833-90E3-F6F45F94BD5B}"/>
+              </a:ext>
+            </a:extLst>
+          </p:cNvPr>
+          <p:cNvSpPr>
+            <a:spLocks noGrp="1"/>
+          </p:cNvSpPr>
+          <p:nvPr>
+            <p:ph idx="1"/>
+          </p:nvPr>
+        </p:nvSpPr>
+        <p:spPr/>
+        <p:txBody>
+          <a:bodyPr>
+            <a:normAutofit fontScale="92500" lnSpcReduction="10000"/>
+          </a:bodyPr>
+          <a:lstStyle/>
+          <a:p>
+            <a:r>
+              <a:rPr lang="en-US" dirty="0"/>
+              <a:t>Intro &amp; Description – Morgan, 60</a:t>
+            </a:r>
+          </a:p>
+          <a:p>
+            <a:r>
+              <a:rPr lang="en-US" dirty="0"/>
+              <a:t>Collections &amp; Architecture – Rebekah, 90</a:t>
+            </a:r>
+          </a:p>
+          <a:p>
+            <a:pPr lvl="1"/>
+            <a:r>
+              <a:rPr lang="en-US" dirty="0"/>
+              <a:t> - 3 API calls, does analysis in API call</a:t>
+            </a:r>
+          </a:p>
+          <a:p>
+            <a:r>
+              <a:rPr lang="en-US" dirty="0"/>
+              <a:t>Site</a:t>
+            </a:r>
+          </a:p>
+          <a:p>
+            <a:pPr lvl="1"/>
+            <a:r>
+              <a:rPr lang="en-US" dirty="0"/>
+              <a:t>Home page – James, 30</a:t>
+            </a:r>
+          </a:p>
+          <a:p>
+            <a:pPr lvl="1"/>
+            <a:r>
+              <a:rPr lang="en-US" dirty="0"/>
+              <a:t>Domains – Ted, 90</a:t>
+            </a:r>
+          </a:p>
+          <a:p>
+            <a:pPr lvl="1"/>
+            <a:r>
+              <a:rPr lang="en-US" dirty="0"/>
+              <a:t>Keywords – Rohan</a:t>
+            </a:r>
+            <a:r>
+              <a:rPr lang="en-US"/>
+              <a:t>, 60</a:t>
+            </a:r>
+            <a:endParaRPr lang="en-US" dirty="0"/>
+          </a:p>
+          <a:p>
+            <a:pPr lvl="1"/>
+            <a:r>
+              <a:rPr lang="en-US" dirty="0"/>
+              <a:t>Data – Scot, 30s</a:t>
+            </a:r>
+          </a:p>
+          <a:p>
+            <a:endParaRPr lang="en-US" dirty="0"/>
+          </a:p>
+          <a:p>
+            <a:r>
+              <a:rPr lang="en-US" dirty="0"/>
+              <a:t>Insights/takeaways – Rebekah, 60</a:t>
+            </a:r>
+          </a:p>
+        </p:txBody>
+      </p:sp>
+    </p:spTree>
+    <p:extLst>
+      <p:ext uri="{BB962C8B-B14F-4D97-AF65-F5344CB8AC3E}">
+        <p14:creationId xmlns:p14="http://schemas.microsoft.com/office/powerpoint/2010/main" val="3668614299"/>
+      </p:ext>
+    </p:extLst>
+  </p:cSld>
+  <p:clrMapOvr>
+    <a:masterClrMapping/>
+  </p:clrMapOvr>
+</p:sld>
+</file>
+
 <file path=ppt/slides/slide2.xml><?xml version="1.0" encoding="utf-8"?>
 <p:sld xmlns:a="http://schemas.openxmlformats.org/drawingml/2006/main" xmlns:r="http://schemas.openxmlformats.org/officeDocument/2006/relationships" xmlns:p="http://schemas.openxmlformats.org/presentationml/2006/main">
   <p:cSld>
@@ -14141,6 +14288,70 @@
           <p:cNvPr id="4" name="Title 3">
             <a:extLst>
               <a:ext uri="{FF2B5EF4-FFF2-40B4-BE49-F238E27FC236}">
+                <a16:creationId xmlns:a16="http://schemas.microsoft.com/office/drawing/2014/main" id="{1FE847A3-0387-40DD-AA44-890EAF3C6572}"/>
+              </a:ext>
+            </a:extLst>
+          </p:cNvPr>
+          <p:cNvSpPr>
+            <a:spLocks noGrp="1"/>
+          </p:cNvSpPr>
+          <p:nvPr>
+            <p:ph type="title"/>
+          </p:nvPr>
+        </p:nvSpPr>
+        <p:spPr>
+          <a:xfrm>
+            <a:off x="1295400" y="2686050"/>
+            <a:ext cx="9601200" cy="1485900"/>
+          </a:xfrm>
+        </p:spPr>
+        <p:txBody>
+          <a:bodyPr/>
+          <a:lstStyle/>
+          <a:p>
+            <a:pPr algn="ctr"/>
+            <a:r>
+              <a:rPr lang="en-US" dirty="0"/>
+              <a:t>Thank you</a:t>
+            </a:r>
+          </a:p>
+        </p:txBody>
+      </p:sp>
+    </p:spTree>
+    <p:extLst>
+      <p:ext uri="{BB962C8B-B14F-4D97-AF65-F5344CB8AC3E}">
+        <p14:creationId xmlns:p14="http://schemas.microsoft.com/office/powerpoint/2010/main" val="2046988766"/>
+      </p:ext>
+    </p:extLst>
+  </p:cSld>
+  <p:clrMapOvr>
+    <a:masterClrMapping/>
+  </p:clrMapOvr>
+</p:sld>
+</file>
+
+<file path=ppt/slides/slide7.xml><?xml version="1.0" encoding="utf-8"?>
+<p:sld xmlns:a="http://schemas.openxmlformats.org/drawingml/2006/main" xmlns:r="http://schemas.openxmlformats.org/officeDocument/2006/relationships" xmlns:p="http://schemas.openxmlformats.org/presentationml/2006/main">
+  <p:cSld>
+    <p:spTree>
+      <p:nvGrpSpPr>
+        <p:cNvPr id="1" name=""/>
+        <p:cNvGrpSpPr/>
+        <p:nvPr/>
+      </p:nvGrpSpPr>
+      <p:grpSpPr>
+        <a:xfrm>
+          <a:off x="0" y="0"/>
+          <a:ext cx="0" cy="0"/>
+          <a:chOff x="0" y="0"/>
+          <a:chExt cx="0" cy="0"/>
+        </a:xfrm>
+      </p:grpSpPr>
+      <p:sp>
+        <p:nvSpPr>
+          <p:cNvPr id="4" name="Title 3">
+            <a:extLst>
+              <a:ext uri="{FF2B5EF4-FFF2-40B4-BE49-F238E27FC236}">
                 <a16:creationId xmlns:a16="http://schemas.microsoft.com/office/drawing/2014/main" id="{57BA24D8-4846-4CBC-89B0-82F29721185A}"/>
               </a:ext>
             </a:extLst>
@@ -14202,7 +14413,7 @@
 </p:sld>
 </file>
 
-<file path=ppt/slides/slide7.xml><?xml version="1.0" encoding="utf-8"?>
+<file path=ppt/slides/slide8.xml><?xml version="1.0" encoding="utf-8"?>
 <p:sld xmlns:a="http://schemas.openxmlformats.org/drawingml/2006/main" xmlns:r="http://schemas.openxmlformats.org/officeDocument/2006/relationships" xmlns:p="http://schemas.openxmlformats.org/presentationml/2006/main">
   <p:cSld>
     <p:spTree>
@@ -14338,7 +14549,7 @@
 </p:sld>
 </file>
 
-<file path=ppt/slides/slide8.xml><?xml version="1.0" encoding="utf-8"?>
+<file path=ppt/slides/slide9.xml><?xml version="1.0" encoding="utf-8"?>
 <p:sld xmlns:a="http://schemas.openxmlformats.org/drawingml/2006/main" xmlns:r="http://schemas.openxmlformats.org/officeDocument/2006/relationships" xmlns:p="http://schemas.openxmlformats.org/presentationml/2006/main">
   <p:cSld>
     <p:spTree>
@@ -14439,152 +14650,6 @@
     <p:extLst>
       <p:ext uri="{BB962C8B-B14F-4D97-AF65-F5344CB8AC3E}">
         <p14:creationId xmlns:p14="http://schemas.microsoft.com/office/powerpoint/2010/main" val="2450995039"/>
-      </p:ext>
-    </p:extLst>
-  </p:cSld>
-  <p:clrMapOvr>
-    <a:masterClrMapping/>
-  </p:clrMapOvr>
-</p:sld>
-</file>
-
-<file path=ppt/slides/slide9.xml><?xml version="1.0" encoding="utf-8"?>
-<p:sld xmlns:a="http://schemas.openxmlformats.org/drawingml/2006/main" xmlns:r="http://schemas.openxmlformats.org/officeDocument/2006/relationships" xmlns:p="http://schemas.openxmlformats.org/presentationml/2006/main">
-  <p:cSld>
-    <p:spTree>
-      <p:nvGrpSpPr>
-        <p:cNvPr id="1" name=""/>
-        <p:cNvGrpSpPr/>
-        <p:nvPr/>
-      </p:nvGrpSpPr>
-      <p:grpSpPr>
-        <a:xfrm>
-          <a:off x="0" y="0"/>
-          <a:ext cx="0" cy="0"/>
-          <a:chOff x="0" y="0"/>
-          <a:chExt cx="0" cy="0"/>
-        </a:xfrm>
-      </p:grpSpPr>
-      <p:sp>
-        <p:nvSpPr>
-          <p:cNvPr id="2" name="Title 1">
-            <a:extLst>
-              <a:ext uri="{FF2B5EF4-FFF2-40B4-BE49-F238E27FC236}">
-                <a16:creationId xmlns:a16="http://schemas.microsoft.com/office/drawing/2014/main" id="{9D401B98-3337-4943-93C5-0F5F27548CB2}"/>
-              </a:ext>
-            </a:extLst>
-          </p:cNvPr>
-          <p:cNvSpPr>
-            <a:spLocks noGrp="1"/>
-          </p:cNvSpPr>
-          <p:nvPr>
-            <p:ph type="title"/>
-          </p:nvPr>
-        </p:nvSpPr>
-        <p:spPr/>
-        <p:txBody>
-          <a:bodyPr/>
-          <a:lstStyle/>
-          <a:p>
-            <a:endParaRPr lang="en-US"/>
-          </a:p>
-        </p:txBody>
-      </p:sp>
-      <p:sp>
-        <p:nvSpPr>
-          <p:cNvPr id="3" name="Content Placeholder 2">
-            <a:extLst>
-              <a:ext uri="{FF2B5EF4-FFF2-40B4-BE49-F238E27FC236}">
-                <a16:creationId xmlns:a16="http://schemas.microsoft.com/office/drawing/2014/main" id="{562263B2-F91C-4833-90E3-F6F45F94BD5B}"/>
-              </a:ext>
-            </a:extLst>
-          </p:cNvPr>
-          <p:cNvSpPr>
-            <a:spLocks noGrp="1"/>
-          </p:cNvSpPr>
-          <p:nvPr>
-            <p:ph idx="1"/>
-          </p:nvPr>
-        </p:nvSpPr>
-        <p:spPr/>
-        <p:txBody>
-          <a:bodyPr>
-            <a:normAutofit fontScale="92500" lnSpcReduction="10000"/>
-          </a:bodyPr>
-          <a:lstStyle/>
-          <a:p>
-            <a:r>
-              <a:rPr lang="en-US" dirty="0"/>
-              <a:t>Intro &amp; Description – Morgan, 60</a:t>
-            </a:r>
-          </a:p>
-          <a:p>
-            <a:r>
-              <a:rPr lang="en-US" dirty="0"/>
-              <a:t>Collections &amp; Architecture – Rebekah, 90</a:t>
-            </a:r>
-          </a:p>
-          <a:p>
-            <a:pPr lvl="1"/>
-            <a:r>
-              <a:rPr lang="en-US" dirty="0"/>
-              <a:t> - 3 API calls, does analysis in API call</a:t>
-            </a:r>
-          </a:p>
-          <a:p>
-            <a:r>
-              <a:rPr lang="en-US" dirty="0"/>
-              <a:t>Site</a:t>
-            </a:r>
-          </a:p>
-          <a:p>
-            <a:pPr lvl="1"/>
-            <a:r>
-              <a:rPr lang="en-US" dirty="0"/>
-              <a:t>Home page – James, 30</a:t>
-            </a:r>
-          </a:p>
-          <a:p>
-            <a:pPr lvl="1"/>
-            <a:r>
-              <a:rPr lang="en-US" dirty="0"/>
-              <a:t>Domains – Ted, 90</a:t>
-            </a:r>
-          </a:p>
-          <a:p>
-            <a:pPr lvl="1"/>
-            <a:r>
-              <a:rPr lang="en-US" dirty="0"/>
-              <a:t>Keywords – Rohan</a:t>
-            </a:r>
-            <a:r>
-              <a:rPr lang="en-US"/>
-              <a:t>, 60</a:t>
-            </a:r>
-            <a:endParaRPr lang="en-US" dirty="0"/>
-          </a:p>
-          <a:p>
-            <a:pPr lvl="1"/>
-            <a:r>
-              <a:rPr lang="en-US" dirty="0"/>
-              <a:t>Data – Scot, 30s</a:t>
-            </a:r>
-          </a:p>
-          <a:p>
-            <a:endParaRPr lang="en-US" dirty="0"/>
-          </a:p>
-          <a:p>
-            <a:r>
-              <a:rPr lang="en-US" dirty="0"/>
-              <a:t>Insights/takeaways – Rebekah, 60</a:t>
-            </a:r>
-          </a:p>
-        </p:txBody>
-      </p:sp>
-    </p:spTree>
-    <p:extLst>
-      <p:ext uri="{BB962C8B-B14F-4D97-AF65-F5344CB8AC3E}">
-        <p14:creationId xmlns:p14="http://schemas.microsoft.com/office/powerpoint/2010/main" val="3668614299"/>
       </p:ext>
     </p:extLst>
   </p:cSld>
